--- a/03 설계/Class 설계서_[1조]_[ONE].pptx
+++ b/03 설계/Class 설계서_[1조]_[ONE].pptx
@@ -144,7 +144,7 @@
   </p:defaultTextStyle>
   <p:extLst>
     <p:ext uri="{EFAFB233-063F-42B5-8137-9DF3F51BA10A}">
-      <p15:sldGuideLst xmlns="" xmlns:p15="http://schemas.microsoft.com/office/powerpoint/2012/main">
+      <p15:sldGuideLst xmlns:p15="http://schemas.microsoft.com/office/powerpoint/2012/main">
         <p15:guide id="1" orient="horz">
           <p15:clr>
             <a:srgbClr val="A4A3A4"/>
@@ -163,7 +163,7 @@
       </p15:sldGuideLst>
     </p:ext>
     <p:ext uri="{2D200454-40CA-4A62-9FC3-DE9A4176ACB9}">
-      <p15:notesGuideLst xmlns="" xmlns:p15="http://schemas.microsoft.com/office/powerpoint/2012/main">
+      <p15:notesGuideLst xmlns:p15="http://schemas.microsoft.com/office/powerpoint/2012/main">
         <p15:guide id="1" orient="horz" pos="3126">
           <p15:clr>
             <a:srgbClr val="A4A3A4"/>
@@ -178,6 +178,10 @@
     </p:ext>
   </p:extLst>
 </p:presentation>
+</file>
+
+<file path=ppt/revisionInfo.xml><?xml version="1.0" encoding="utf-8"?>
+<p1510:revInfo xmlns:a="http://schemas.openxmlformats.org/drawingml/2006/main" xmlns:r="http://schemas.openxmlformats.org/officeDocument/2006/relationships" xmlns:p1510="http://schemas.microsoft.com/office/powerpoint/2015/10/main"/>
 </file>
 
 <file path=ppt/handoutMasters/handoutMaster1.xml><?xml version="1.0" encoding="utf-8"?>
@@ -589,35 +593,35 @@
           <a:p>
             <a:pPr lvl="0"/>
             <a:r>
-              <a:rPr lang="en-GB" altLang="ko-KR" smtClean="0"/>
+              <a:rPr lang="en-GB" altLang="ko-KR"/>
               <a:t>Click to edit Master text styles</a:t>
             </a:r>
           </a:p>
           <a:p>
             <a:pPr lvl="1"/>
             <a:r>
-              <a:rPr lang="en-GB" altLang="ko-KR" smtClean="0"/>
+              <a:rPr lang="en-GB" altLang="ko-KR"/>
               <a:t>Second level</a:t>
             </a:r>
           </a:p>
           <a:p>
             <a:pPr lvl="2"/>
             <a:r>
-              <a:rPr lang="en-GB" altLang="ko-KR" smtClean="0"/>
+              <a:rPr lang="en-GB" altLang="ko-KR"/>
               <a:t>Third level</a:t>
             </a:r>
           </a:p>
           <a:p>
             <a:pPr lvl="3"/>
             <a:r>
-              <a:rPr lang="en-GB" altLang="ko-KR" smtClean="0"/>
+              <a:rPr lang="en-GB" altLang="ko-KR"/>
               <a:t>Fourth level</a:t>
             </a:r>
           </a:p>
           <a:p>
             <a:pPr lvl="4"/>
             <a:r>
-              <a:rPr lang="en-GB" altLang="ko-KR" smtClean="0"/>
+              <a:rPr lang="en-GB" altLang="ko-KR"/>
               <a:t>Fifth level</a:t>
             </a:r>
           </a:p>
@@ -853,6 +857,91 @@
 </p:notesMaster>
 </file>
 
+<file path=ppt/notesSlides/notesSlide1.xml><?xml version="1.0" encoding="utf-8"?>
+<p:notes xmlns:a="http://schemas.openxmlformats.org/drawingml/2006/main" xmlns:r="http://schemas.openxmlformats.org/officeDocument/2006/relationships" xmlns:p="http://schemas.openxmlformats.org/presentationml/2006/main">
+  <p:cSld>
+    <p:spTree>
+      <p:nvGrpSpPr>
+        <p:cNvPr id="1" name=""/>
+        <p:cNvGrpSpPr/>
+        <p:nvPr/>
+      </p:nvGrpSpPr>
+      <p:grpSpPr>
+        <a:xfrm>
+          <a:off x="0" y="0"/>
+          <a:ext cx="0" cy="0"/>
+          <a:chOff x="0" y="0"/>
+          <a:chExt cx="0" cy="0"/>
+        </a:xfrm>
+      </p:grpSpPr>
+      <p:sp>
+        <p:nvSpPr>
+          <p:cNvPr id="2" name="슬라이드 이미지 개체 틀 1"/>
+          <p:cNvSpPr>
+            <a:spLocks noGrp="1" noRot="1" noChangeAspect="1"/>
+          </p:cNvSpPr>
+          <p:nvPr>
+            <p:ph type="sldImg"/>
+          </p:nvPr>
+        </p:nvSpPr>
+        <p:spPr/>
+      </p:sp>
+      <p:sp>
+        <p:nvSpPr>
+          <p:cNvPr id="3" name="슬라이드 노트 개체 틀 2"/>
+          <p:cNvSpPr>
+            <a:spLocks noGrp="1"/>
+          </p:cNvSpPr>
+          <p:nvPr>
+            <p:ph type="body" idx="1"/>
+          </p:nvPr>
+        </p:nvSpPr>
+        <p:spPr/>
+        <p:txBody>
+          <a:bodyPr/>
+          <a:lstStyle/>
+          <a:p>
+            <a:endParaRPr lang="ko-KR" altLang="en-US" dirty="0"/>
+          </a:p>
+        </p:txBody>
+      </p:sp>
+      <p:sp>
+        <p:nvSpPr>
+          <p:cNvPr id="4" name="슬라이드 번호 개체 틀 3"/>
+          <p:cNvSpPr>
+            <a:spLocks noGrp="1"/>
+          </p:cNvSpPr>
+          <p:nvPr>
+            <p:ph type="sldNum" sz="quarter" idx="10"/>
+          </p:nvPr>
+        </p:nvSpPr>
+        <p:spPr/>
+        <p:txBody>
+          <a:bodyPr/>
+          <a:lstStyle/>
+          <a:p>
+            <a:fld id="{379E618C-E705-4CD1-A19E-88052652622A}" type="slidenum">
+              <a:rPr lang="en-US" smtClean="0"/>
+              <a:pPr/>
+              <a:t>3</a:t>
+            </a:fld>
+            <a:endParaRPr lang="en-US"/>
+          </a:p>
+        </p:txBody>
+      </p:sp>
+    </p:spTree>
+    <p:extLst>
+      <p:ext uri="{BB962C8B-B14F-4D97-AF65-F5344CB8AC3E}">
+        <p14:creationId xmlns:p14="http://schemas.microsoft.com/office/powerpoint/2010/main" val="1225504341"/>
+      </p:ext>
+    </p:extLst>
+  </p:cSld>
+  <p:clrMapOvr>
+    <a:masterClrMapping/>
+  </p:clrMapOvr>
+</p:notes>
+</file>
+
 <file path=ppt/slideLayouts/slideLayout1.xml><?xml version="1.0" encoding="utf-8"?>
 <p:sldLayout xmlns:a="http://schemas.openxmlformats.org/drawingml/2006/main" xmlns:r="http://schemas.openxmlformats.org/officeDocument/2006/relationships" xmlns:p="http://schemas.openxmlformats.org/presentationml/2006/main" showMasterSp="0" preserve="1" userDrawn="1">
   <p:cSld name="제목 슬라이드">
@@ -1008,7 +1097,7 @@
           </a:bodyPr>
           <a:lstStyle/>
           <a:p>
-            <a:endParaRPr lang="en-US" altLang="ko-KR" sz="2400" b="1" dirty="0" smtClean="0">
+            <a:endParaRPr lang="en-US" altLang="ko-KR" sz="2400" b="1" dirty="0">
               <a:latin typeface="HY헤드라인M" pitchFamily="18" charset="-127"/>
               <a:ea typeface="HY헤드라인M" pitchFamily="18" charset="-127"/>
             </a:endParaRPr>
@@ -1062,18 +1151,13 @@
             </a:lvl1pPr>
           </a:lstStyle>
           <a:p>
-            <a:r>
-              <a:rPr lang="en-US" altLang="ko-KR" dirty="0" smtClean="0"/>
-              <a:t/>
-            </a:r>
             <a:br>
-              <a:rPr lang="en-US" altLang="ko-KR" dirty="0" smtClean="0"/>
+              <a:rPr lang="en-US" altLang="ko-KR" dirty="0"/>
             </a:br>
             <a:r>
-              <a:rPr lang="ko-KR" altLang="en-US" dirty="0" smtClean="0"/>
+              <a:rPr lang="ko-KR" altLang="en-US" dirty="0"/>
               <a:t>마스터 제목 스타일 편집</a:t>
             </a:r>
-            <a:endParaRPr lang="ko-KR" altLang="en-US" dirty="0"/>
           </a:p>
         </p:txBody>
       </p:sp>
@@ -1128,28 +1212,28 @@
                 <a:gridCol w="1022523">
                   <a:extLst>
                     <a:ext uri="{9D8B030D-6E8A-4147-A177-3AD203B41FA5}">
-                      <a16:colId xmlns="" xmlns:a16="http://schemas.microsoft.com/office/drawing/2014/main" val="20000"/>
+                      <a16:colId xmlns:a16="http://schemas.microsoft.com/office/drawing/2014/main" val="20000"/>
                     </a:ext>
                   </a:extLst>
                 </a:gridCol>
                 <a:gridCol w="3439486">
                   <a:extLst>
                     <a:ext uri="{9D8B030D-6E8A-4147-A177-3AD203B41FA5}">
-                      <a16:colId xmlns="" xmlns:a16="http://schemas.microsoft.com/office/drawing/2014/main" val="20001"/>
+                      <a16:colId xmlns:a16="http://schemas.microsoft.com/office/drawing/2014/main" val="20001"/>
                     </a:ext>
                   </a:extLst>
                 </a:gridCol>
                 <a:gridCol w="947956">
                   <a:extLst>
                     <a:ext uri="{9D8B030D-6E8A-4147-A177-3AD203B41FA5}">
-                      <a16:colId xmlns="" xmlns:a16="http://schemas.microsoft.com/office/drawing/2014/main" val="20002"/>
+                      <a16:colId xmlns:a16="http://schemas.microsoft.com/office/drawing/2014/main" val="20002"/>
                     </a:ext>
                   </a:extLst>
                 </a:gridCol>
                 <a:gridCol w="3523377">
                   <a:extLst>
                     <a:ext uri="{9D8B030D-6E8A-4147-A177-3AD203B41FA5}">
-                      <a16:colId xmlns="" xmlns:a16="http://schemas.microsoft.com/office/drawing/2014/main" val="20003"/>
+                      <a16:colId xmlns:a16="http://schemas.microsoft.com/office/drawing/2014/main" val="20003"/>
                     </a:ext>
                   </a:extLst>
                 </a:gridCol>
@@ -1177,7 +1261,7 @@
                         <a:tabLst/>
                       </a:pPr>
                       <a:r>
-                        <a:rPr kumimoji="1" lang="ko-KR" altLang="en-US" sz="900" b="0" i="0" u="none" strike="noStrike" cap="none" normalizeH="0" baseline="0" dirty="0" smtClean="0">
+                        <a:rPr kumimoji="1" lang="ko-KR" altLang="en-US" sz="900" b="0" i="0" u="none" strike="noStrike" cap="none" normalizeH="0" baseline="0" dirty="0">
                           <a:ln>
                             <a:noFill/>
                           </a:ln>
@@ -1190,7 +1274,7 @@
                         </a:rPr>
                         <a:t>프로젝트 명</a:t>
                       </a:r>
-                      <a:endParaRPr kumimoji="1" lang="ko-KR" altLang="ko-KR" sz="900" b="0" i="0" u="none" strike="noStrike" cap="none" normalizeH="0" baseline="0" dirty="0" smtClean="0">
+                      <a:endParaRPr kumimoji="1" lang="ko-KR" altLang="ko-KR" sz="900" b="0" i="0" u="none" strike="noStrike" cap="none" normalizeH="0" baseline="0" dirty="0">
                         <a:ln>
                           <a:noFill/>
                         </a:ln>
@@ -1273,7 +1357,7 @@
                         <a:tabLst/>
                       </a:pPr>
                       <a:r>
-                        <a:rPr kumimoji="1" lang="en-US" altLang="ko-KR" sz="900" b="0" i="0" u="none" strike="noStrike" cap="none" normalizeH="0" baseline="0" dirty="0" smtClean="0">
+                        <a:rPr kumimoji="1" lang="en-US" altLang="ko-KR" sz="900" b="0" i="0" u="none" strike="noStrike" cap="none" normalizeH="0" baseline="0" dirty="0">
                           <a:ln>
                             <a:noFill/>
                           </a:ln>
@@ -1287,7 +1371,7 @@
                         <a:t>To Do List </a:t>
                       </a:r>
                       <a:r>
-                        <a:rPr kumimoji="1" lang="ko-KR" altLang="en-US" sz="900" b="0" i="0" u="none" strike="noStrike" cap="none" normalizeH="0" baseline="0" dirty="0" smtClean="0">
+                        <a:rPr kumimoji="1" lang="ko-KR" altLang="en-US" sz="900" b="0" i="0" u="none" strike="noStrike" cap="none" normalizeH="0" baseline="0" dirty="0">
                           <a:ln>
                             <a:noFill/>
                           </a:ln>
@@ -1300,7 +1384,7 @@
                         </a:rPr>
                         <a:t>프로그램</a:t>
                       </a:r>
-                      <a:endParaRPr kumimoji="1" lang="ko-KR" altLang="ko-KR" sz="900" b="0" i="0" u="none" strike="noStrike" cap="none" normalizeH="0" baseline="0" dirty="0" smtClean="0">
+                      <a:endParaRPr kumimoji="1" lang="ko-KR" altLang="ko-KR" sz="900" b="0" i="0" u="none" strike="noStrike" cap="none" normalizeH="0" baseline="0" dirty="0">
                         <a:ln>
                           <a:noFill/>
                         </a:ln>
@@ -1381,7 +1465,7 @@
                         <a:tabLst/>
                       </a:pPr>
                       <a:r>
-                        <a:rPr kumimoji="1" lang="ko-KR" altLang="en-US" sz="900" b="0" i="0" u="none" strike="noStrike" cap="none" normalizeH="0" baseline="0" dirty="0" smtClean="0">
+                        <a:rPr kumimoji="1" lang="ko-KR" altLang="en-US" sz="900" b="0" i="0" u="none" strike="noStrike" cap="none" normalizeH="0" baseline="0" dirty="0">
                           <a:ln>
                             <a:noFill/>
                           </a:ln>
@@ -1394,7 +1478,7 @@
                         </a:rPr>
                         <a:t>문서 명</a:t>
                       </a:r>
-                      <a:endParaRPr kumimoji="1" lang="ko-KR" altLang="ko-KR" sz="900" b="0" i="0" u="none" strike="noStrike" cap="none" normalizeH="0" baseline="0" dirty="0" smtClean="0">
+                      <a:endParaRPr kumimoji="1" lang="ko-KR" altLang="ko-KR" sz="900" b="0" i="0" u="none" strike="noStrike" cap="none" normalizeH="0" baseline="0" dirty="0">
                         <a:ln>
                           <a:noFill/>
                         </a:ln>
@@ -1477,7 +1561,7 @@
                         <a:tabLst/>
                       </a:pPr>
                       <a:r>
-                        <a:rPr kumimoji="1" lang="en-US" altLang="ko-KR" sz="900" b="0" i="0" u="none" strike="noStrike" cap="none" normalizeH="0" baseline="0" dirty="0" smtClean="0">
+                        <a:rPr kumimoji="1" lang="en-US" altLang="ko-KR" sz="900" b="0" i="0" u="none" strike="noStrike" cap="none" normalizeH="0" baseline="0" dirty="0">
                           <a:ln>
                             <a:noFill/>
                           </a:ln>
@@ -1491,7 +1575,7 @@
                         <a:t>Class </a:t>
                       </a:r>
                       <a:r>
-                        <a:rPr kumimoji="1" lang="ko-KR" altLang="en-US" sz="900" b="0" i="0" u="none" strike="noStrike" cap="none" normalizeH="0" baseline="0" dirty="0" smtClean="0">
+                        <a:rPr kumimoji="1" lang="ko-KR" altLang="en-US" sz="900" b="0" i="0" u="none" strike="noStrike" cap="none" normalizeH="0" baseline="0" dirty="0">
                           <a:ln>
                             <a:noFill/>
                           </a:ln>
@@ -1504,7 +1588,7 @@
                         </a:rPr>
                         <a:t>설계서</a:t>
                       </a:r>
-                      <a:endParaRPr kumimoji="1" lang="ko-KR" sz="900" b="0" i="0" u="none" strike="noStrike" cap="none" normalizeH="0" baseline="0" dirty="0" smtClean="0">
+                      <a:endParaRPr kumimoji="1" lang="ko-KR" sz="900" b="0" i="0" u="none" strike="noStrike" cap="none" normalizeH="0" baseline="0" dirty="0">
                         <a:ln>
                           <a:noFill/>
                         </a:ln>
@@ -1565,7 +1649,7 @@
                 </a:tc>
                 <a:extLst>
                   <a:ext uri="{0D108BD9-81ED-4DB2-BD59-A6C34878D82A}">
-                    <a16:rowId xmlns="" xmlns:a16="http://schemas.microsoft.com/office/drawing/2014/main" val="10000"/>
+                    <a16:rowId xmlns:a16="http://schemas.microsoft.com/office/drawing/2014/main" val="10000"/>
                   </a:ext>
                 </a:extLst>
               </a:tr>
@@ -1591,7 +1675,7 @@
                         <a:buNone/>
                         <a:tabLst/>
                       </a:pPr>
-                      <a:endParaRPr kumimoji="1" lang="ko-KR" sz="900" b="0" i="0" u="none" strike="noStrike" cap="none" normalizeH="0" baseline="0" dirty="0" smtClean="0">
+                      <a:endParaRPr kumimoji="1" lang="ko-KR" sz="900" b="0" i="0" u="none" strike="noStrike" cap="none" normalizeH="0" baseline="0" dirty="0">
                         <a:ln>
                           <a:noFill/>
                         </a:ln>
@@ -1673,7 +1757,7 @@
                         <a:buNone/>
                         <a:tabLst/>
                       </a:pPr>
-                      <a:endParaRPr kumimoji="1" lang="ko-KR" altLang="ko-KR" sz="900" b="0" i="0" u="none" strike="noStrike" cap="none" normalizeH="0" baseline="0" dirty="0" smtClean="0">
+                      <a:endParaRPr kumimoji="1" lang="ko-KR" altLang="ko-KR" sz="900" b="0" i="0" u="none" strike="noStrike" cap="none" normalizeH="0" baseline="0" dirty="0">
                         <a:ln>
                           <a:noFill/>
                         </a:ln>
@@ -1754,7 +1838,7 @@
                         <a:tabLst/>
                       </a:pPr>
                       <a:r>
-                        <a:rPr kumimoji="1" lang="ko-KR" altLang="en-US" sz="900" b="0" i="0" u="none" strike="noStrike" cap="none" normalizeH="0" baseline="0" dirty="0" smtClean="0">
+                        <a:rPr kumimoji="1" lang="ko-KR" altLang="en-US" sz="900" b="0" i="0" u="none" strike="noStrike" cap="none" normalizeH="0" baseline="0" dirty="0">
                           <a:ln>
                             <a:noFill/>
                           </a:ln>
@@ -1767,7 +1851,7 @@
                         </a:rPr>
                         <a:t>버전</a:t>
                       </a:r>
-                      <a:endParaRPr kumimoji="1" lang="ko-KR" altLang="ko-KR" sz="900" b="0" i="0" u="none" strike="noStrike" cap="none" normalizeH="0" baseline="0" dirty="0" smtClean="0">
+                      <a:endParaRPr kumimoji="1" lang="ko-KR" altLang="ko-KR" sz="900" b="0" i="0" u="none" strike="noStrike" cap="none" normalizeH="0" baseline="0" dirty="0">
                         <a:ln>
                           <a:noFill/>
                         </a:ln>
@@ -1850,7 +1934,7 @@
                         <a:tabLst/>
                       </a:pPr>
                       <a:r>
-                        <a:rPr kumimoji="1" lang="en-US" altLang="ko-KR" sz="900" b="0" i="0" u="none" strike="noStrike" cap="none" normalizeH="0" baseline="0" dirty="0" smtClean="0">
+                        <a:rPr kumimoji="1" lang="en-US" altLang="ko-KR" sz="900" b="0" i="0" u="none" strike="noStrike" cap="none" normalizeH="0" baseline="0" dirty="0">
                           <a:ln>
                             <a:noFill/>
                           </a:ln>
@@ -1863,7 +1947,7 @@
                         </a:rPr>
                         <a:t>V 1.0.0</a:t>
                       </a:r>
-                      <a:endParaRPr kumimoji="1" lang="ko-KR" altLang="ko-KR" sz="900" b="0" i="0" u="none" strike="noStrike" cap="none" normalizeH="0" baseline="0" dirty="0" smtClean="0">
+                      <a:endParaRPr kumimoji="1" lang="ko-KR" altLang="ko-KR" sz="900" b="0" i="0" u="none" strike="noStrike" cap="none" normalizeH="0" baseline="0" dirty="0">
                         <a:ln>
                           <a:noFill/>
                         </a:ln>
@@ -1924,7 +2008,7 @@
                 </a:tc>
                 <a:extLst>
                   <a:ext uri="{0D108BD9-81ED-4DB2-BD59-A6C34878D82A}">
-                    <a16:rowId xmlns="" xmlns:a16="http://schemas.microsoft.com/office/drawing/2014/main" val="10001"/>
+                    <a16:rowId xmlns:a16="http://schemas.microsoft.com/office/drawing/2014/main" val="10001"/>
                   </a:ext>
                 </a:extLst>
               </a:tr>
@@ -1979,7 +2063,7 @@
           <a:p>
             <a:pPr algn="r"/>
             <a:r>
-              <a:rPr lang="ko-KR" altLang="en-US" dirty="0" smtClean="0"/>
+              <a:rPr lang="ko-KR" altLang="en-US" dirty="0"/>
               <a:t>팀 명</a:t>
             </a:r>
             <a:endParaRPr lang="en-US" altLang="ko-KR" dirty="0"/>
@@ -2036,7 +2120,7 @@
               <a:buNone/>
               <a:tabLst/>
             </a:pPr>
-            <a:endParaRPr kumimoji="0" lang="ko-KR" altLang="en-US" sz="1400" b="0" i="0" u="none" strike="noStrike" cap="none" normalizeH="0" baseline="0" smtClean="0">
+            <a:endParaRPr kumimoji="0" lang="ko-KR" altLang="en-US" sz="1400" b="0" i="0" u="none" strike="noStrike" cap="none" normalizeH="0" baseline="0">
               <a:ln>
                 <a:noFill/>
               </a:ln>
@@ -2105,7 +2189,7 @@
           </a:lstStyle>
           <a:p>
             <a:r>
-              <a:rPr lang="ko-KR" altLang="en-US" smtClean="0"/>
+              <a:rPr lang="ko-KR" altLang="en-US"/>
               <a:t>마스터 제목 스타일 편집</a:t>
             </a:r>
             <a:endParaRPr lang="ko-KR" altLang="en-US" dirty="0"/>
@@ -2155,35 +2239,35 @@
           <a:p>
             <a:pPr lvl="0"/>
             <a:r>
-              <a:rPr lang="ko-KR" altLang="en-US" smtClean="0"/>
+              <a:rPr lang="ko-KR" altLang="en-US"/>
               <a:t>마스터 텍스트 스타일을 편집합니다</a:t>
             </a:r>
           </a:p>
           <a:p>
             <a:pPr lvl="1"/>
             <a:r>
-              <a:rPr lang="ko-KR" altLang="en-US" smtClean="0"/>
+              <a:rPr lang="ko-KR" altLang="en-US"/>
               <a:t>둘째 수준</a:t>
             </a:r>
           </a:p>
           <a:p>
             <a:pPr lvl="2"/>
             <a:r>
-              <a:rPr lang="ko-KR" altLang="en-US" smtClean="0"/>
+              <a:rPr lang="ko-KR" altLang="en-US"/>
               <a:t>셋째 수준</a:t>
             </a:r>
           </a:p>
           <a:p>
             <a:pPr lvl="3"/>
             <a:r>
-              <a:rPr lang="ko-KR" altLang="en-US" smtClean="0"/>
+              <a:rPr lang="ko-KR" altLang="en-US"/>
               <a:t>넷째 수준</a:t>
             </a:r>
           </a:p>
           <a:p>
             <a:pPr lvl="4"/>
             <a:r>
-              <a:rPr lang="ko-KR" altLang="en-US" smtClean="0"/>
+              <a:rPr lang="ko-KR" altLang="en-US"/>
               <a:t>다섯째 수준</a:t>
             </a:r>
             <a:endParaRPr lang="ko-KR" altLang="en-US" dirty="0"/>
@@ -2307,7 +2391,7 @@
           <a:p>
             <a:pPr algn="r"/>
             <a:r>
-              <a:rPr lang="ko-KR" altLang="en-US" dirty="0" smtClean="0"/>
+              <a:rPr lang="ko-KR" altLang="en-US" dirty="0"/>
               <a:t>팀 명</a:t>
             </a:r>
             <a:endParaRPr lang="en-US" altLang="ko-KR" dirty="0"/>
@@ -2512,7 +2596,7 @@
           <a:p>
             <a:pPr algn="r"/>
             <a:r>
-              <a:rPr lang="ko-KR" altLang="en-US" dirty="0" smtClean="0"/>
+              <a:rPr lang="ko-KR" altLang="en-US" dirty="0"/>
               <a:t>팀 명</a:t>
             </a:r>
             <a:endParaRPr lang="en-US" altLang="ko-KR" dirty="0"/>
@@ -3058,22 +3142,17 @@
           <a:bodyPr/>
           <a:lstStyle/>
           <a:p>
-            <a:r>
-              <a:rPr lang="en-US" altLang="ko-KR" dirty="0" smtClean="0"/>
-              <a:t/>
-            </a:r>
             <a:br>
-              <a:rPr lang="en-US" altLang="ko-KR" dirty="0" smtClean="0"/>
+              <a:rPr lang="en-US" altLang="ko-KR" dirty="0"/>
             </a:br>
             <a:r>
-              <a:rPr lang="en-US" altLang="ko-KR" dirty="0" smtClean="0"/>
+              <a:rPr lang="en-US" altLang="ko-KR" dirty="0"/>
               <a:t>Class </a:t>
             </a:r>
             <a:r>
-              <a:rPr lang="ko-KR" altLang="en-US" dirty="0" smtClean="0"/>
+              <a:rPr lang="ko-KR" altLang="en-US" dirty="0"/>
               <a:t>설계서</a:t>
             </a:r>
-            <a:endParaRPr lang="ko-KR" altLang="en-US" dirty="0"/>
           </a:p>
         </p:txBody>
       </p:sp>
@@ -3100,7 +3179,7 @@
           <a:lstStyle/>
           <a:p>
             <a:r>
-              <a:rPr lang="en-US" altLang="ko-KR" sz="2000" dirty="0" smtClean="0"/>
+              <a:rPr lang="en-US" altLang="ko-KR" sz="2000" dirty="0"/>
               <a:t>ONE</a:t>
             </a:r>
             <a:endParaRPr lang="ko-KR" altLang="en-US" sz="2000" dirty="0"/>
@@ -3148,10 +3227,9 @@
           <a:lstStyle/>
           <a:p>
             <a:r>
-              <a:rPr lang="ko-KR" altLang="en-US" dirty="0" smtClean="0"/>
+              <a:rPr lang="ko-KR" altLang="en-US" dirty="0"/>
               <a:t>변경 이력</a:t>
             </a:r>
-            <a:endParaRPr lang="ko-KR" altLang="en-US" dirty="0"/>
           </a:p>
         </p:txBody>
       </p:sp>
@@ -3172,7 +3250,7 @@
           <a:p>
             <a:pPr algn="r"/>
             <a:r>
-              <a:rPr lang="ko-KR" altLang="en-US" dirty="0" smtClean="0"/>
+              <a:rPr lang="ko-KR" altLang="en-US" dirty="0"/>
               <a:t>팀 명</a:t>
             </a:r>
             <a:endParaRPr lang="en-US" altLang="ko-KR" dirty="0"/>
@@ -3189,14 +3267,14 @@
             <p:ph idx="1"/>
             <p:extLst>
               <p:ext uri="{D42A27DB-BD31-4B8C-83A1-F6EECF244321}">
-                <p14:modId xmlns:p14="http://schemas.microsoft.com/office/powerpoint/2010/main" val="2754440563"/>
+                <p14:modId xmlns:p14="http://schemas.microsoft.com/office/powerpoint/2010/main" val="2373361447"/>
               </p:ext>
             </p:extLst>
           </p:nvPr>
         </p:nvGraphicFramePr>
         <p:xfrm>
           <a:off x="280988" y="1025525"/>
-          <a:ext cx="8582024" cy="2966720"/>
+          <a:ext cx="8582024" cy="3337560"/>
         </p:xfrm>
         <a:graphic>
           <a:graphicData uri="http://schemas.openxmlformats.org/drawingml/2006/table">
@@ -3208,28 +3286,28 @@
                 <a:gridCol w="2145506">
                   <a:extLst>
                     <a:ext uri="{9D8B030D-6E8A-4147-A177-3AD203B41FA5}">
-                      <a16:colId xmlns="" xmlns:a16="http://schemas.microsoft.com/office/drawing/2014/main" val="20000"/>
+                      <a16:colId xmlns:a16="http://schemas.microsoft.com/office/drawing/2014/main" val="20000"/>
                     </a:ext>
                   </a:extLst>
                 </a:gridCol>
                 <a:gridCol w="2145506">
                   <a:extLst>
                     <a:ext uri="{9D8B030D-6E8A-4147-A177-3AD203B41FA5}">
-                      <a16:colId xmlns="" xmlns:a16="http://schemas.microsoft.com/office/drawing/2014/main" val="20001"/>
+                      <a16:colId xmlns:a16="http://schemas.microsoft.com/office/drawing/2014/main" val="20001"/>
                     </a:ext>
                   </a:extLst>
                 </a:gridCol>
                 <a:gridCol w="2145506">
                   <a:extLst>
                     <a:ext uri="{9D8B030D-6E8A-4147-A177-3AD203B41FA5}">
-                      <a16:colId xmlns="" xmlns:a16="http://schemas.microsoft.com/office/drawing/2014/main" val="20002"/>
+                      <a16:colId xmlns:a16="http://schemas.microsoft.com/office/drawing/2014/main" val="20002"/>
                     </a:ext>
                   </a:extLst>
                 </a:gridCol>
                 <a:gridCol w="2145506">
                   <a:extLst>
                     <a:ext uri="{9D8B030D-6E8A-4147-A177-3AD203B41FA5}">
-                      <a16:colId xmlns="" xmlns:a16="http://schemas.microsoft.com/office/drawing/2014/main" val="20003"/>
+                      <a16:colId xmlns:a16="http://schemas.microsoft.com/office/drawing/2014/main" val="20003"/>
                     </a:ext>
                   </a:extLst>
                 </a:gridCol>
@@ -3242,7 +3320,7 @@
                     <a:p>
                       <a:pPr algn="ctr" latinLnBrk="1"/>
                       <a:r>
-                        <a:rPr lang="ko-KR" altLang="en-US" sz="1200" b="1" dirty="0" smtClean="0">
+                        <a:rPr lang="ko-KR" altLang="en-US" sz="1200" b="1" dirty="0">
                           <a:latin typeface="맑은 고딕" pitchFamily="50" charset="-127"/>
                           <a:ea typeface="맑은 고딕" pitchFamily="50" charset="-127"/>
                         </a:rPr>
@@ -3272,7 +3350,7 @@
                     <a:p>
                       <a:pPr algn="ctr" latinLnBrk="1"/>
                       <a:r>
-                        <a:rPr lang="ko-KR" altLang="en-US" sz="1200" b="1" dirty="0" smtClean="0">
+                        <a:rPr lang="ko-KR" altLang="en-US" sz="1200" b="1" dirty="0">
                           <a:latin typeface="맑은 고딕" pitchFamily="50" charset="-127"/>
                           <a:ea typeface="맑은 고딕" pitchFamily="50" charset="-127"/>
                         </a:rPr>
@@ -3302,7 +3380,7 @@
                     <a:p>
                       <a:pPr algn="ctr" latinLnBrk="1"/>
                       <a:r>
-                        <a:rPr lang="ko-KR" altLang="en-US" sz="1200" b="1" dirty="0" smtClean="0">
+                        <a:rPr lang="ko-KR" altLang="en-US" sz="1200" b="1" dirty="0">
                           <a:latin typeface="맑은 고딕" pitchFamily="50" charset="-127"/>
                           <a:ea typeface="맑은 고딕" pitchFamily="50" charset="-127"/>
                         </a:rPr>
@@ -3332,7 +3410,7 @@
                     <a:p>
                       <a:pPr algn="ctr" latinLnBrk="1"/>
                       <a:r>
-                        <a:rPr lang="ko-KR" altLang="en-US" sz="1200" b="1" dirty="0" smtClean="0">
+                        <a:rPr lang="ko-KR" altLang="en-US" sz="1200" b="1" dirty="0">
                           <a:latin typeface="맑은 고딕" pitchFamily="50" charset="-127"/>
                           <a:ea typeface="맑은 고딕" pitchFamily="50" charset="-127"/>
                         </a:rPr>
@@ -3357,7 +3435,7 @@
                 </a:tc>
                 <a:extLst>
                   <a:ext uri="{0D108BD9-81ED-4DB2-BD59-A6C34878D82A}">
-                    <a16:rowId xmlns="" xmlns:a16="http://schemas.microsoft.com/office/drawing/2014/main" val="10000"/>
+                    <a16:rowId xmlns:a16="http://schemas.microsoft.com/office/drawing/2014/main" val="10000"/>
                   </a:ext>
                 </a:extLst>
               </a:tr>
@@ -3369,7 +3447,7 @@
                     <a:p>
                       <a:pPr algn="ctr" latinLnBrk="1"/>
                       <a:r>
-                        <a:rPr lang="en-US" altLang="ko-KR" sz="1200" b="0" dirty="0" smtClean="0">
+                        <a:rPr lang="en-US" altLang="ko-KR" sz="1200" b="0" dirty="0">
                           <a:solidFill>
                             <a:schemeClr val="tx1"/>
                           </a:solidFill>
@@ -3379,24 +3457,14 @@
                         <a:t>2018.</a:t>
                       </a:r>
                       <a:r>
-                        <a:rPr lang="en-US" altLang="ko-KR" sz="1200" b="0" baseline="0" dirty="0" smtClean="0">
+                        <a:rPr lang="en-US" altLang="ko-KR" sz="1200" b="0" baseline="0" dirty="0">
                           <a:solidFill>
                             <a:schemeClr val="tx1"/>
                           </a:solidFill>
                           <a:latin typeface="맑은 고딕" pitchFamily="50" charset="-127"/>
                           <a:ea typeface="맑은 고딕" pitchFamily="50" charset="-127"/>
                         </a:rPr>
-                        <a:t> </a:t>
-                      </a:r>
-                      <a:r>
-                        <a:rPr lang="en-US" altLang="ko-KR" sz="1200" b="0" baseline="0" dirty="0" smtClean="0">
-                          <a:solidFill>
-                            <a:schemeClr val="tx1"/>
-                          </a:solidFill>
-                          <a:latin typeface="맑은 고딕" pitchFamily="50" charset="-127"/>
-                          <a:ea typeface="맑은 고딕" pitchFamily="50" charset="-127"/>
-                        </a:rPr>
-                        <a:t>5.1</a:t>
+                        <a:t> 5.1</a:t>
                       </a:r>
                       <a:endParaRPr lang="ko-KR" altLang="en-US" sz="1200" b="0" dirty="0">
                         <a:solidFill>
@@ -3420,7 +3488,7 @@
                     <a:p>
                       <a:pPr algn="ctr" latinLnBrk="1"/>
                       <a:r>
-                        <a:rPr lang="en-US" altLang="ko-KR" sz="1200" b="0" dirty="0" smtClean="0">
+                        <a:rPr lang="en-US" altLang="ko-KR" sz="1200" b="0" dirty="0">
                           <a:solidFill>
                             <a:schemeClr val="tx1"/>
                           </a:solidFill>
@@ -3430,7 +3498,7 @@
                         <a:t>V</a:t>
                       </a:r>
                       <a:r>
-                        <a:rPr lang="en-US" altLang="ko-KR" sz="1200" b="0" baseline="0" dirty="0" smtClean="0">
+                        <a:rPr lang="en-US" altLang="ko-KR" sz="1200" b="0" baseline="0" dirty="0">
                           <a:solidFill>
                             <a:schemeClr val="tx1"/>
                           </a:solidFill>
@@ -3461,7 +3529,7 @@
                     <a:p>
                       <a:pPr algn="ctr" latinLnBrk="1"/>
                       <a:r>
-                        <a:rPr lang="ko-KR" altLang="en-US" sz="1200" b="0" dirty="0" smtClean="0">
+                        <a:rPr lang="ko-KR" altLang="en-US" sz="1200" b="0" dirty="0">
                           <a:solidFill>
                             <a:schemeClr val="tx1"/>
                           </a:solidFill>
@@ -3470,13 +3538,6 @@
                         </a:rPr>
                         <a:t>최초 작성</a:t>
                       </a:r>
-                      <a:endParaRPr lang="ko-KR" altLang="en-US" sz="1200" b="0" dirty="0">
-                        <a:solidFill>
-                          <a:schemeClr val="tx1"/>
-                        </a:solidFill>
-                        <a:latin typeface="맑은 고딕" pitchFamily="50" charset="-127"/>
-                        <a:ea typeface="맑은 고딕" pitchFamily="50" charset="-127"/>
-                      </a:endParaRPr>
                     </a:p>
                   </a:txBody>
                   <a:tcPr anchor="ctr">
@@ -3492,7 +3553,7 @@
                     <a:p>
                       <a:pPr algn="ctr" latinLnBrk="1"/>
                       <a:r>
-                        <a:rPr lang="ko-KR" altLang="en-US" sz="1200" b="0" dirty="0" smtClean="0">
+                        <a:rPr lang="ko-KR" altLang="en-US" sz="1200" b="0" dirty="0">
                           <a:solidFill>
                             <a:schemeClr val="tx1"/>
                           </a:solidFill>
@@ -3501,13 +3562,6 @@
                         </a:rPr>
                         <a:t>이지홍</a:t>
                       </a:r>
-                      <a:endParaRPr lang="ko-KR" altLang="en-US" sz="1200" b="0" dirty="0">
-                        <a:solidFill>
-                          <a:schemeClr val="tx1"/>
-                        </a:solidFill>
-                        <a:latin typeface="맑은 고딕" pitchFamily="50" charset="-127"/>
-                        <a:ea typeface="맑은 고딕" pitchFamily="50" charset="-127"/>
-                      </a:endParaRPr>
                     </a:p>
                   </a:txBody>
                   <a:tcPr anchor="ctr">
@@ -3518,7 +3572,7 @@
                 </a:tc>
                 <a:extLst>
                   <a:ext uri="{0D108BD9-81ED-4DB2-BD59-A6C34878D82A}">
-                    <a16:rowId xmlns="" xmlns:a16="http://schemas.microsoft.com/office/drawing/2014/main" val="10001"/>
+                    <a16:rowId xmlns:a16="http://schemas.microsoft.com/office/drawing/2014/main" val="10001"/>
                   </a:ext>
                 </a:extLst>
               </a:tr>
@@ -3530,7 +3584,7 @@
                     <a:p>
                       <a:pPr algn="ctr" latinLnBrk="1"/>
                       <a:r>
-                        <a:rPr lang="en-US" altLang="ko-KR" sz="1200" b="0" dirty="0" smtClean="0">
+                        <a:rPr lang="en-US" altLang="ko-KR" sz="1200" b="0" dirty="0">
                           <a:solidFill>
                             <a:schemeClr val="tx1"/>
                           </a:solidFill>
@@ -3561,7 +3615,7 @@
                     <a:p>
                       <a:pPr algn="ctr" latinLnBrk="1"/>
                       <a:r>
-                        <a:rPr lang="en-US" altLang="ko-KR" sz="1200" b="0" dirty="0" smtClean="0">
+                        <a:rPr lang="en-US" altLang="ko-KR" sz="1200" b="0" dirty="0">
                           <a:solidFill>
                             <a:schemeClr val="tx1"/>
                           </a:solidFill>
@@ -3592,7 +3646,7 @@
                     <a:p>
                       <a:pPr algn="ctr" latinLnBrk="1"/>
                       <a:r>
-                        <a:rPr lang="ko-KR" altLang="en-US" sz="1200" b="0" dirty="0" smtClean="0">
+                        <a:rPr lang="ko-KR" altLang="en-US" sz="1200" b="0" dirty="0">
                           <a:solidFill>
                             <a:schemeClr val="tx1"/>
                           </a:solidFill>
@@ -3602,7 +3656,7 @@
                         <a:t>로그인 클래스</a:t>
                       </a:r>
                       <a:r>
-                        <a:rPr lang="ko-KR" altLang="en-US" sz="1200" b="0" baseline="0" dirty="0" smtClean="0">
+                        <a:rPr lang="ko-KR" altLang="en-US" sz="1200" b="0" baseline="0" dirty="0">
                           <a:solidFill>
                             <a:schemeClr val="tx1"/>
                           </a:solidFill>
@@ -3633,7 +3687,7 @@
                     <a:p>
                       <a:pPr algn="ctr" latinLnBrk="1"/>
                       <a:r>
-                        <a:rPr lang="ko-KR" altLang="en-US" sz="1200" b="0" dirty="0" smtClean="0">
+                        <a:rPr lang="ko-KR" altLang="en-US" sz="1200" b="0" dirty="0">
                           <a:solidFill>
                             <a:schemeClr val="tx1"/>
                           </a:solidFill>
@@ -3642,13 +3696,6 @@
                         </a:rPr>
                         <a:t>이은선</a:t>
                       </a:r>
-                      <a:endParaRPr lang="ko-KR" altLang="en-US" sz="1200" b="0" dirty="0">
-                        <a:solidFill>
-                          <a:schemeClr val="tx1"/>
-                        </a:solidFill>
-                        <a:latin typeface="맑은 고딕" pitchFamily="50" charset="-127"/>
-                        <a:ea typeface="맑은 고딕" pitchFamily="50" charset="-127"/>
-                      </a:endParaRPr>
                     </a:p>
                   </a:txBody>
                   <a:tcPr anchor="ctr">
@@ -3659,7 +3706,7 @@
                 </a:tc>
                 <a:extLst>
                   <a:ext uri="{0D108BD9-81ED-4DB2-BD59-A6C34878D82A}">
-                    <a16:rowId xmlns="" xmlns:a16="http://schemas.microsoft.com/office/drawing/2014/main" val="10002"/>
+                    <a16:rowId xmlns:a16="http://schemas.microsoft.com/office/drawing/2014/main" val="10002"/>
                   </a:ext>
                 </a:extLst>
               </a:tr>
@@ -3671,7 +3718,7 @@
                     <a:p>
                       <a:pPr algn="ctr" latinLnBrk="1"/>
                       <a:r>
-                        <a:rPr lang="en-US" altLang="ko-KR" sz="1200" b="0" dirty="0" smtClean="0">
+                        <a:rPr lang="en-US" altLang="ko-KR" sz="1200" b="0" dirty="0">
                           <a:solidFill>
                             <a:schemeClr val="tx1"/>
                           </a:solidFill>
@@ -3702,7 +3749,7 @@
                     <a:p>
                       <a:pPr algn="ctr" latinLnBrk="1"/>
                       <a:r>
-                        <a:rPr lang="en-US" altLang="ko-KR" sz="1200" b="0" dirty="0" smtClean="0">
+                        <a:rPr lang="en-US" altLang="ko-KR" sz="1200" b="0" dirty="0">
                           <a:solidFill>
                             <a:schemeClr val="tx1"/>
                           </a:solidFill>
@@ -3733,7 +3780,7 @@
                     <a:p>
                       <a:pPr algn="ctr" latinLnBrk="1"/>
                       <a:r>
-                        <a:rPr lang="ko-KR" altLang="en-US" sz="1200" b="0" dirty="0" smtClean="0">
+                        <a:rPr lang="ko-KR" altLang="en-US" sz="1200" b="0" dirty="0">
                           <a:solidFill>
                             <a:schemeClr val="tx1"/>
                           </a:solidFill>
@@ -3742,13 +3789,6 @@
                         </a:rPr>
                         <a:t>회원가입 클래스 작성</a:t>
                       </a:r>
-                      <a:endParaRPr lang="ko-KR" altLang="en-US" sz="1200" b="0" dirty="0">
-                        <a:solidFill>
-                          <a:schemeClr val="tx1"/>
-                        </a:solidFill>
-                        <a:latin typeface="맑은 고딕" pitchFamily="50" charset="-127"/>
-                        <a:ea typeface="맑은 고딕" pitchFamily="50" charset="-127"/>
-                      </a:endParaRPr>
                     </a:p>
                   </a:txBody>
                   <a:tcPr anchor="ctr">
@@ -3764,7 +3804,7 @@
                     <a:p>
                       <a:pPr algn="ctr" latinLnBrk="1"/>
                       <a:r>
-                        <a:rPr lang="ko-KR" altLang="en-US" sz="1200" b="0" dirty="0" err="1" smtClean="0">
+                        <a:rPr lang="ko-KR" altLang="en-US" sz="1200" b="0" dirty="0" err="1">
                           <a:solidFill>
                             <a:schemeClr val="tx1"/>
                           </a:solidFill>
@@ -3790,7 +3830,7 @@
                 </a:tc>
                 <a:extLst>
                   <a:ext uri="{0D108BD9-81ED-4DB2-BD59-A6C34878D82A}">
-                    <a16:rowId xmlns="" xmlns:a16="http://schemas.microsoft.com/office/drawing/2014/main" val="10003"/>
+                    <a16:rowId xmlns:a16="http://schemas.microsoft.com/office/drawing/2014/main" val="10003"/>
                   </a:ext>
                 </a:extLst>
               </a:tr>
@@ -3802,7 +3842,7 @@
                     <a:p>
                       <a:pPr algn="ctr" latinLnBrk="1"/>
                       <a:r>
-                        <a:rPr lang="en-US" altLang="ko-KR" sz="1200" b="0" dirty="0" smtClean="0">
+                        <a:rPr lang="en-US" altLang="ko-KR" sz="1200" b="0" dirty="0">
                           <a:solidFill>
                             <a:schemeClr val="tx1"/>
                           </a:solidFill>
@@ -3833,7 +3873,7 @@
                     <a:p>
                       <a:pPr algn="ctr" latinLnBrk="1"/>
                       <a:r>
-                        <a:rPr lang="en-US" altLang="ko-KR" sz="1200" b="0" dirty="0" smtClean="0">
+                        <a:rPr lang="en-US" altLang="ko-KR" sz="1200" b="0" dirty="0">
                           <a:solidFill>
                             <a:schemeClr val="tx1"/>
                           </a:solidFill>
@@ -3864,7 +3904,7 @@
                     <a:p>
                       <a:pPr algn="ctr" latinLnBrk="1"/>
                       <a:r>
-                        <a:rPr lang="ko-KR" altLang="en-US" sz="1200" b="0" dirty="0" smtClean="0">
+                        <a:rPr lang="ko-KR" altLang="en-US" sz="1200" b="0" dirty="0">
                           <a:solidFill>
                             <a:schemeClr val="tx1"/>
                           </a:solidFill>
@@ -3873,13 +3913,6 @@
                         </a:rPr>
                         <a:t>등록 클래스 작성</a:t>
                       </a:r>
-                      <a:endParaRPr lang="ko-KR" altLang="en-US" sz="1200" b="0" dirty="0">
-                        <a:solidFill>
-                          <a:schemeClr val="tx1"/>
-                        </a:solidFill>
-                        <a:latin typeface="맑은 고딕" pitchFamily="50" charset="-127"/>
-                        <a:ea typeface="맑은 고딕" pitchFamily="50" charset="-127"/>
-                      </a:endParaRPr>
                     </a:p>
                   </a:txBody>
                   <a:tcPr anchor="ctr">
@@ -3895,7 +3928,7 @@
                     <a:p>
                       <a:pPr algn="ctr" latinLnBrk="1"/>
                       <a:r>
-                        <a:rPr lang="ko-KR" altLang="en-US" sz="1200" b="0" dirty="0" smtClean="0">
+                        <a:rPr lang="ko-KR" altLang="en-US" sz="1200" b="0" dirty="0">
                           <a:solidFill>
                             <a:schemeClr val="tx1"/>
                           </a:solidFill>
@@ -3904,13 +3937,6 @@
                         </a:rPr>
                         <a:t>박주원</a:t>
                       </a:r>
-                      <a:endParaRPr lang="ko-KR" altLang="en-US" sz="1200" b="0" dirty="0">
-                        <a:solidFill>
-                          <a:schemeClr val="tx1"/>
-                        </a:solidFill>
-                        <a:latin typeface="맑은 고딕" pitchFamily="50" charset="-127"/>
-                        <a:ea typeface="맑은 고딕" pitchFamily="50" charset="-127"/>
-                      </a:endParaRPr>
                     </a:p>
                   </a:txBody>
                   <a:tcPr anchor="ctr">
@@ -3921,7 +3947,7 @@
                 </a:tc>
                 <a:extLst>
                   <a:ext uri="{0D108BD9-81ED-4DB2-BD59-A6C34878D82A}">
-                    <a16:rowId xmlns="" xmlns:a16="http://schemas.microsoft.com/office/drawing/2014/main" val="10004"/>
+                    <a16:rowId xmlns:a16="http://schemas.microsoft.com/office/drawing/2014/main" val="10004"/>
                   </a:ext>
                 </a:extLst>
               </a:tr>
@@ -3933,7 +3959,7 @@
                     <a:p>
                       <a:pPr algn="ctr" latinLnBrk="1"/>
                       <a:r>
-                        <a:rPr lang="en-US" altLang="ko-KR" sz="1200" b="0" dirty="0" smtClean="0">
+                        <a:rPr lang="en-US" altLang="ko-KR" sz="1200" b="0" dirty="0">
                           <a:solidFill>
                             <a:schemeClr val="tx1"/>
                           </a:solidFill>
@@ -3964,7 +3990,7 @@
                     <a:p>
                       <a:pPr algn="ctr" latinLnBrk="1"/>
                       <a:r>
-                        <a:rPr lang="en-US" altLang="ko-KR" sz="1200" b="0" dirty="0" smtClean="0">
+                        <a:rPr lang="en-US" altLang="ko-KR" sz="1200" b="0" dirty="0">
                           <a:solidFill>
                             <a:schemeClr val="tx1"/>
                           </a:solidFill>
@@ -3974,14 +4000,14 @@
                         <a:t>V</a:t>
                       </a:r>
                       <a:r>
-                        <a:rPr lang="en-US" altLang="ko-KR" sz="1200" b="0" baseline="0" dirty="0" smtClean="0">
+                        <a:rPr lang="en-US" altLang="ko-KR" sz="1200" b="0" baseline="0" dirty="0">
                           <a:solidFill>
                             <a:schemeClr val="tx1"/>
                           </a:solidFill>
                           <a:latin typeface="맑은 고딕" pitchFamily="50" charset="-127"/>
                           <a:ea typeface="맑은 고딕" pitchFamily="50" charset="-127"/>
                         </a:rPr>
-                        <a:t> 1.0.0</a:t>
+                        <a:t> 1.0.1</a:t>
                       </a:r>
                       <a:endParaRPr lang="ko-KR" altLang="en-US" sz="1200" b="0" dirty="0">
                         <a:solidFill>
@@ -4005,7 +4031,7 @@
                     <a:p>
                       <a:pPr algn="ctr" latinLnBrk="1"/>
                       <a:r>
-                        <a:rPr lang="ko-KR" altLang="en-US" sz="1200" b="0" dirty="0" smtClean="0">
+                        <a:rPr lang="ko-KR" altLang="en-US" sz="1200" b="0" dirty="0">
                           <a:solidFill>
                             <a:schemeClr val="tx1"/>
                           </a:solidFill>
@@ -4014,13 +4040,6 @@
                         </a:rPr>
                         <a:t>수정 클래스 작성</a:t>
                       </a:r>
-                      <a:endParaRPr lang="ko-KR" altLang="en-US" sz="1200" b="0" dirty="0">
-                        <a:solidFill>
-                          <a:schemeClr val="tx1"/>
-                        </a:solidFill>
-                        <a:latin typeface="맑은 고딕" pitchFamily="50" charset="-127"/>
-                        <a:ea typeface="맑은 고딕" pitchFamily="50" charset="-127"/>
-                      </a:endParaRPr>
                     </a:p>
                   </a:txBody>
                   <a:tcPr anchor="ctr">
@@ -4036,7 +4055,7 @@
                     <a:p>
                       <a:pPr algn="ctr" latinLnBrk="1"/>
                       <a:r>
-                        <a:rPr lang="ko-KR" altLang="en-US" sz="1200" b="0" dirty="0" err="1" smtClean="0">
+                        <a:rPr lang="ko-KR" altLang="en-US" sz="1200" b="0" dirty="0" err="1">
                           <a:solidFill>
                             <a:schemeClr val="tx1"/>
                           </a:solidFill>
@@ -4062,7 +4081,7 @@
                 </a:tc>
                 <a:extLst>
                   <a:ext uri="{0D108BD9-81ED-4DB2-BD59-A6C34878D82A}">
-                    <a16:rowId xmlns="" xmlns:a16="http://schemas.microsoft.com/office/drawing/2014/main" val="10005"/>
+                    <a16:rowId xmlns:a16="http://schemas.microsoft.com/office/drawing/2014/main" val="10005"/>
                   </a:ext>
                 </a:extLst>
               </a:tr>
@@ -4074,7 +4093,7 @@
                     <a:p>
                       <a:pPr algn="ctr" latinLnBrk="1"/>
                       <a:r>
-                        <a:rPr lang="en-US" altLang="ko-KR" sz="1200" b="0" dirty="0" smtClean="0">
+                        <a:rPr lang="en-US" altLang="ko-KR" sz="1200" b="0" dirty="0">
                           <a:solidFill>
                             <a:schemeClr val="tx1"/>
                           </a:solidFill>
@@ -4105,14 +4124,14 @@
                     <a:p>
                       <a:pPr algn="ctr" latinLnBrk="1"/>
                       <a:r>
-                        <a:rPr lang="en-US" altLang="ko-KR" sz="1200" b="0" dirty="0" smtClean="0">
+                        <a:rPr lang="en-US" altLang="ko-KR" sz="1200" b="0" dirty="0">
                           <a:solidFill>
                             <a:schemeClr val="tx1"/>
                           </a:solidFill>
                           <a:latin typeface="맑은 고딕" pitchFamily="50" charset="-127"/>
                           <a:ea typeface="맑은 고딕" pitchFamily="50" charset="-127"/>
                         </a:rPr>
-                        <a:t>V 1.0.1</a:t>
+                        <a:t>V 1.0.2</a:t>
                       </a:r>
                       <a:endParaRPr lang="ko-KR" altLang="en-US" sz="1200" b="0" dirty="0">
                         <a:solidFill>
@@ -4136,7 +4155,7 @@
                     <a:p>
                       <a:pPr algn="ctr" latinLnBrk="1"/>
                       <a:r>
-                        <a:rPr lang="ko-KR" altLang="en-US" sz="1200" b="0" dirty="0" smtClean="0">
+                        <a:rPr lang="ko-KR" altLang="en-US" sz="1200" b="0" dirty="0">
                           <a:solidFill>
                             <a:schemeClr val="tx1"/>
                           </a:solidFill>
@@ -4145,13 +4164,6 @@
                         </a:rPr>
                         <a:t>최종 정리</a:t>
                       </a:r>
-                      <a:endParaRPr lang="ko-KR" altLang="en-US" sz="1200" b="0" dirty="0">
-                        <a:solidFill>
-                          <a:schemeClr val="tx1"/>
-                        </a:solidFill>
-                        <a:latin typeface="맑은 고딕" pitchFamily="50" charset="-127"/>
-                        <a:ea typeface="맑은 고딕" pitchFamily="50" charset="-127"/>
-                      </a:endParaRPr>
                     </a:p>
                   </a:txBody>
                   <a:tcPr anchor="ctr">
@@ -4167,7 +4179,7 @@
                     <a:p>
                       <a:pPr algn="ctr" latinLnBrk="1"/>
                       <a:r>
-                        <a:rPr lang="ko-KR" altLang="en-US" sz="1200" b="0" dirty="0" smtClean="0">
+                        <a:rPr lang="ko-KR" altLang="en-US" sz="1200" b="0" dirty="0">
                           <a:solidFill>
                             <a:schemeClr val="tx1"/>
                           </a:solidFill>
@@ -4176,13 +4188,6 @@
                         </a:rPr>
                         <a:t>이지홍</a:t>
                       </a:r>
-                      <a:endParaRPr lang="ko-KR" altLang="en-US" sz="1200" b="0" dirty="0">
-                        <a:solidFill>
-                          <a:schemeClr val="tx1"/>
-                        </a:solidFill>
-                        <a:latin typeface="맑은 고딕" pitchFamily="50" charset="-127"/>
-                        <a:ea typeface="맑은 고딕" pitchFamily="50" charset="-127"/>
-                      </a:endParaRPr>
                     </a:p>
                   </a:txBody>
                   <a:tcPr anchor="ctr">
@@ -4193,7 +4198,7 @@
                 </a:tc>
                 <a:extLst>
                   <a:ext uri="{0D108BD9-81ED-4DB2-BD59-A6C34878D82A}">
-                    <a16:rowId xmlns="" xmlns:a16="http://schemas.microsoft.com/office/drawing/2014/main" val="10006"/>
+                    <a16:rowId xmlns:a16="http://schemas.microsoft.com/office/drawing/2014/main" val="10006"/>
                   </a:ext>
                 </a:extLst>
               </a:tr>
@@ -4204,6 +4209,16 @@
                     <a:lstStyle/>
                     <a:p>
                       <a:pPr algn="ctr" latinLnBrk="1"/>
+                      <a:r>
+                        <a:rPr lang="en-US" altLang="ko-KR" sz="1200" b="0" dirty="0">
+                          <a:solidFill>
+                            <a:schemeClr val="tx1"/>
+                          </a:solidFill>
+                          <a:latin typeface="맑은 고딕" pitchFamily="50" charset="-127"/>
+                          <a:ea typeface="맑은 고딕" pitchFamily="50" charset="-127"/>
+                        </a:rPr>
+                        <a:t>2018.5.10</a:t>
+                      </a:r>
                       <a:endParaRPr lang="ko-KR" altLang="en-US" sz="1200" b="0" dirty="0">
                         <a:solidFill>
                           <a:schemeClr val="tx1"/>
@@ -4225,6 +4240,16 @@
                     <a:lstStyle/>
                     <a:p>
                       <a:pPr algn="ctr" latinLnBrk="1"/>
+                      <a:r>
+                        <a:rPr lang="en-US" altLang="ko-KR" sz="1200" b="0" dirty="0">
+                          <a:solidFill>
+                            <a:schemeClr val="tx1"/>
+                          </a:solidFill>
+                          <a:latin typeface="맑은 고딕" pitchFamily="50" charset="-127"/>
+                          <a:ea typeface="맑은 고딕" pitchFamily="50" charset="-127"/>
+                        </a:rPr>
+                        <a:t>V 1.0.3</a:t>
+                      </a:r>
                       <a:endParaRPr lang="ko-KR" altLang="en-US" sz="1200" b="0" dirty="0">
                         <a:solidFill>
                           <a:schemeClr val="tx1"/>
@@ -4245,14 +4270,17 @@
                     <a:bodyPr/>
                     <a:lstStyle/>
                     <a:p>
-                      <a:pPr latinLnBrk="1"/>
-                      <a:endParaRPr lang="ko-KR" altLang="en-US" sz="1200" b="0" dirty="0">
-                        <a:solidFill>
-                          <a:schemeClr val="tx1"/>
-                        </a:solidFill>
-                        <a:latin typeface="맑은 고딕" pitchFamily="50" charset="-127"/>
-                        <a:ea typeface="맑은 고딕" pitchFamily="50" charset="-127"/>
-                      </a:endParaRPr>
+                      <a:pPr algn="ctr" latinLnBrk="1"/>
+                      <a:r>
+                        <a:rPr lang="ko-KR" altLang="en-US" sz="1200" b="0" dirty="0">
+                          <a:solidFill>
+                            <a:schemeClr val="tx1"/>
+                          </a:solidFill>
+                          <a:latin typeface="맑은 고딕" pitchFamily="50" charset="-127"/>
+                          <a:ea typeface="맑은 고딕" pitchFamily="50" charset="-127"/>
+                        </a:rPr>
+                        <a:t>수정</a:t>
+                      </a:r>
                     </a:p>
                   </a:txBody>
                   <a:tcPr anchor="ctr">
@@ -4267,6 +4295,16 @@
                     <a:lstStyle/>
                     <a:p>
                       <a:pPr algn="ctr" latinLnBrk="1"/>
+                      <a:r>
+                        <a:rPr lang="ko-KR" altLang="en-US" sz="1200" b="0" dirty="0" err="1">
+                          <a:solidFill>
+                            <a:schemeClr val="tx1"/>
+                          </a:solidFill>
+                          <a:latin typeface="맑은 고딕" pitchFamily="50" charset="-127"/>
+                          <a:ea typeface="맑은 고딕" pitchFamily="50" charset="-127"/>
+                        </a:rPr>
+                        <a:t>권이안</a:t>
+                      </a:r>
                       <a:endParaRPr lang="ko-KR" altLang="en-US" sz="1200" b="0" dirty="0">
                         <a:solidFill>
                           <a:schemeClr val="tx1"/>
@@ -4284,7 +4322,124 @@
                 </a:tc>
                 <a:extLst>
                   <a:ext uri="{0D108BD9-81ED-4DB2-BD59-A6C34878D82A}">
-                    <a16:rowId xmlns="" xmlns:a16="http://schemas.microsoft.com/office/drawing/2014/main" val="10007"/>
+                    <a16:rowId xmlns:a16="http://schemas.microsoft.com/office/drawing/2014/main" val="10007"/>
+                  </a:ext>
+                </a:extLst>
+              </a:tr>
+              <a:tr h="370840">
+                <a:tc>
+                  <a:txBody>
+                    <a:bodyPr/>
+                    <a:lstStyle/>
+                    <a:p>
+                      <a:pPr algn="ctr" latinLnBrk="1"/>
+                      <a:r>
+                        <a:rPr lang="en-US" altLang="ko-KR" sz="1200" b="0" dirty="0">
+                          <a:solidFill>
+                            <a:schemeClr val="tx1"/>
+                          </a:solidFill>
+                          <a:latin typeface="맑은 고딕" pitchFamily="50" charset="-127"/>
+                          <a:ea typeface="맑은 고딕" pitchFamily="50" charset="-127"/>
+                        </a:rPr>
+                        <a:t>2018.5.31</a:t>
+                      </a:r>
+                      <a:endParaRPr lang="ko-KR" altLang="en-US" sz="1200" b="0" dirty="0">
+                        <a:solidFill>
+                          <a:schemeClr val="tx1"/>
+                        </a:solidFill>
+                        <a:latin typeface="맑은 고딕" pitchFamily="50" charset="-127"/>
+                        <a:ea typeface="맑은 고딕" pitchFamily="50" charset="-127"/>
+                      </a:endParaRPr>
+                    </a:p>
+                  </a:txBody>
+                  <a:tcPr anchor="ctr">
+                    <a:solidFill>
+                      <a:schemeClr val="bg1"/>
+                    </a:solidFill>
+                  </a:tcPr>
+                </a:tc>
+                <a:tc>
+                  <a:txBody>
+                    <a:bodyPr/>
+                    <a:lstStyle/>
+                    <a:p>
+                      <a:pPr algn="ctr" latinLnBrk="1"/>
+                      <a:r>
+                        <a:rPr lang="en-US" altLang="ko-KR" sz="1200" b="0" dirty="0">
+                          <a:solidFill>
+                            <a:schemeClr val="tx1"/>
+                          </a:solidFill>
+                          <a:latin typeface="맑은 고딕" pitchFamily="50" charset="-127"/>
+                          <a:ea typeface="맑은 고딕" pitchFamily="50" charset="-127"/>
+                        </a:rPr>
+                        <a:t>V 1.0.4</a:t>
+                      </a:r>
+                      <a:endParaRPr lang="ko-KR" altLang="en-US" sz="1200" b="0" dirty="0">
+                        <a:solidFill>
+                          <a:schemeClr val="tx1"/>
+                        </a:solidFill>
+                        <a:latin typeface="맑은 고딕" pitchFamily="50" charset="-127"/>
+                        <a:ea typeface="맑은 고딕" pitchFamily="50" charset="-127"/>
+                      </a:endParaRPr>
+                    </a:p>
+                  </a:txBody>
+                  <a:tcPr anchor="ctr">
+                    <a:solidFill>
+                      <a:schemeClr val="bg1"/>
+                    </a:solidFill>
+                  </a:tcPr>
+                </a:tc>
+                <a:tc>
+                  <a:txBody>
+                    <a:bodyPr/>
+                    <a:lstStyle/>
+                    <a:p>
+                      <a:pPr algn="ctr" latinLnBrk="1"/>
+                      <a:r>
+                        <a:rPr lang="ko-KR" altLang="en-US" sz="1200" b="0" dirty="0">
+                          <a:solidFill>
+                            <a:schemeClr val="tx1"/>
+                          </a:solidFill>
+                          <a:latin typeface="맑은 고딕" pitchFamily="50" charset="-127"/>
+                          <a:ea typeface="맑은 고딕" pitchFamily="50" charset="-127"/>
+                        </a:rPr>
+                        <a:t>최종 수정</a:t>
+                      </a:r>
+                    </a:p>
+                  </a:txBody>
+                  <a:tcPr anchor="ctr">
+                    <a:solidFill>
+                      <a:schemeClr val="bg1"/>
+                    </a:solidFill>
+                  </a:tcPr>
+                </a:tc>
+                <a:tc>
+                  <a:txBody>
+                    <a:bodyPr/>
+                    <a:lstStyle/>
+                    <a:p>
+                      <a:pPr algn="ctr" latinLnBrk="1"/>
+                      <a:r>
+                        <a:rPr lang="ko-KR" altLang="en-US" sz="1200" b="0" dirty="0">
+                          <a:solidFill>
+                            <a:schemeClr val="tx1"/>
+                          </a:solidFill>
+                          <a:latin typeface="맑은 고딕" pitchFamily="50" charset="-127"/>
+                          <a:ea typeface="맑은 고딕" pitchFamily="50" charset="-127"/>
+                        </a:rPr>
+                        <a:t>박주원</a:t>
+                      </a:r>
+                    </a:p>
+                  </a:txBody>
+                  <a:tcPr anchor="ctr">
+                    <a:solidFill>
+                      <a:schemeClr val="bg1"/>
+                    </a:solidFill>
+                  </a:tcPr>
+                </a:tc>
+                <a:extLst>
+                  <a:ext uri="{0D108BD9-81ED-4DB2-BD59-A6C34878D82A}">
+                    <a16:rowId xmlns:a16="http://schemas.microsoft.com/office/drawing/2014/main" val="10008"/>
                   </a:ext>
                 </a:extLst>
               </a:tr>
@@ -4334,7 +4489,7 @@
           <a:p>
             <a:pPr algn="r"/>
             <a:r>
-              <a:rPr lang="ko-KR" altLang="en-US" dirty="0" smtClean="0"/>
+              <a:rPr lang="ko-KR" altLang="en-US" dirty="0"/>
               <a:t>팀 명</a:t>
             </a:r>
             <a:endParaRPr lang="en-US" altLang="ko-KR" dirty="0"/>
@@ -4350,14 +4505,14 @@
           <p:nvPr>
             <p:extLst>
               <p:ext uri="{D42A27DB-BD31-4B8C-83A1-F6EECF244321}">
-                <p14:modId xmlns:p14="http://schemas.microsoft.com/office/powerpoint/2010/main" val="4212863561"/>
+                <p14:modId xmlns:p14="http://schemas.microsoft.com/office/powerpoint/2010/main" val="198849141"/>
               </p:ext>
             </p:extLst>
           </p:nvPr>
         </p:nvGraphicFramePr>
         <p:xfrm>
-          <a:off x="332036" y="3657972"/>
-          <a:ext cx="1800200" cy="2313859"/>
+          <a:off x="254718" y="3451146"/>
+          <a:ext cx="2023568" cy="2865120"/>
         </p:xfrm>
         <a:graphic>
           <a:graphicData uri="http://schemas.openxmlformats.org/drawingml/2006/table">
@@ -4366,9 +4521,15 @@
                 <a:tableStyleId>{073A0DAA-6AF3-43AB-8588-CEC1D06C72B9}</a:tableStyleId>
               </a:tblPr>
               <a:tblGrid>
-                <a:gridCol w="1800200"/>
+                <a:gridCol w="2023568">
+                  <a:extLst>
+                    <a:ext uri="{9D8B030D-6E8A-4147-A177-3AD203B41FA5}">
+                      <a16:colId xmlns:a16="http://schemas.microsoft.com/office/drawing/2014/main" val="20000"/>
+                    </a:ext>
+                  </a:extLst>
+                </a:gridCol>
               </a:tblGrid>
-              <a:tr h="302179">
+              <a:tr h="237448">
                 <a:tc>
                   <a:txBody>
                     <a:bodyPr/>
@@ -4376,7 +4537,7 @@
                     <a:p>
                       <a:pPr algn="ctr" latinLnBrk="1"/>
                       <a:r>
-                        <a:rPr lang="en-US" altLang="ko-KR" sz="1000" dirty="0" smtClean="0"/>
+                        <a:rPr lang="en-US" altLang="ko-KR" sz="1000" dirty="0"/>
                         <a:t>Main</a:t>
                       </a:r>
                       <a:endParaRPr lang="ko-KR" altLang="en-US" sz="1000" dirty="0"/>
@@ -4384,8 +4545,13 @@
                   </a:txBody>
                   <a:tcPr/>
                 </a:tc>
+                <a:extLst>
+                  <a:ext uri="{0D108BD9-81ED-4DB2-BD59-A6C34878D82A}">
+                    <a16:rowId xmlns:a16="http://schemas.microsoft.com/office/drawing/2014/main" val="10000"/>
+                  </a:ext>
+                </a:extLst>
               </a:tr>
-              <a:tr h="1154703">
+              <a:tr h="1576823">
                 <a:tc>
                   <a:txBody>
                     <a:bodyPr/>
@@ -4393,70 +4559,110 @@
                     <a:p>
                       <a:pPr algn="ctr" latinLnBrk="1"/>
                       <a:r>
-                        <a:rPr lang="ko-KR" altLang="en-US" sz="1000" baseline="0" dirty="0" smtClean="0"/>
+                        <a:rPr lang="ko-KR" altLang="en-US" sz="1000" baseline="0" dirty="0"/>
                         <a:t>수강과목 등록 버튼</a:t>
                       </a:r>
-                      <a:endParaRPr lang="en-US" altLang="ko-KR" sz="1000" baseline="0" dirty="0" smtClean="0"/>
-                    </a:p>
-                    <a:p>
-                      <a:pPr algn="ctr" latinLnBrk="1"/>
-                      <a:r>
-                        <a:rPr lang="en-US" altLang="ko-KR" sz="1000" baseline="0" dirty="0" smtClean="0"/>
+                      <a:endParaRPr lang="en-US" altLang="ko-KR" sz="1000" baseline="0" dirty="0"/>
+                    </a:p>
+                    <a:p>
+                      <a:pPr algn="ctr" latinLnBrk="1"/>
+                      <a:r>
+                        <a:rPr lang="en-US" altLang="ko-KR" sz="1000" baseline="0" dirty="0"/>
                         <a:t>To do list </a:t>
                       </a:r>
                       <a:r>
-                        <a:rPr lang="ko-KR" altLang="en-US" sz="1000" baseline="0" dirty="0" smtClean="0"/>
+                        <a:rPr lang="ko-KR" altLang="en-US" sz="1000" baseline="0" dirty="0"/>
                         <a:t>등록 버튼</a:t>
                       </a:r>
-                      <a:endParaRPr lang="en-US" altLang="ko-KR" sz="1000" baseline="0" dirty="0" smtClean="0"/>
-                    </a:p>
-                    <a:p>
-                      <a:pPr algn="ctr" latinLnBrk="1"/>
-                      <a:r>
-                        <a:rPr lang="ko-KR" altLang="en-US" sz="1000" baseline="0" dirty="0" smtClean="0"/>
+                      <a:endParaRPr lang="en-US" altLang="ko-KR" sz="1000" baseline="0" dirty="0"/>
+                    </a:p>
+                    <a:p>
+                      <a:pPr algn="ctr" latinLnBrk="1"/>
+                      <a:r>
+                        <a:rPr lang="ko-KR" altLang="en-US" sz="1000" baseline="0" dirty="0"/>
                         <a:t>수정 버튼</a:t>
                       </a:r>
-                      <a:endParaRPr lang="en-US" altLang="ko-KR" sz="1000" baseline="0" dirty="0" smtClean="0"/>
-                    </a:p>
-                    <a:p>
-                      <a:pPr algn="ctr" latinLnBrk="1"/>
-                      <a:r>
-                        <a:rPr lang="ko-KR" altLang="en-US" sz="1000" baseline="0" dirty="0" smtClean="0"/>
+                      <a:endParaRPr lang="en-US" altLang="ko-KR" sz="1000" baseline="0" dirty="0"/>
+                    </a:p>
+                    <a:p>
+                      <a:pPr algn="ctr" latinLnBrk="1"/>
+                      <a:r>
+                        <a:rPr lang="ko-KR" altLang="en-US" sz="1000" baseline="0" dirty="0"/>
                         <a:t>삭제버튼</a:t>
                       </a:r>
-                      <a:endParaRPr lang="en-US" altLang="ko-KR" sz="1000" baseline="0" dirty="0" smtClean="0"/>
-                    </a:p>
-                    <a:p>
-                      <a:pPr algn="ctr" latinLnBrk="1"/>
-                      <a:r>
-                        <a:rPr lang="ko-KR" altLang="en-US" sz="1000" baseline="0" dirty="0" smtClean="0"/>
+                      <a:endParaRPr lang="en-US" altLang="ko-KR" sz="1000" baseline="0" dirty="0"/>
+                    </a:p>
+                    <a:p>
+                      <a:pPr algn="ctr" latinLnBrk="1"/>
+                      <a:r>
+                        <a:rPr lang="ko-KR" altLang="en-US" sz="1000" baseline="0" dirty="0"/>
                         <a:t>정렬버튼</a:t>
                       </a:r>
-                      <a:endParaRPr lang="en-US" altLang="ko-KR" sz="1000" baseline="0" dirty="0" smtClean="0"/>
-                    </a:p>
-                    <a:p>
-                      <a:pPr algn="ctr" latinLnBrk="1"/>
-                      <a:r>
-                        <a:rPr lang="ko-KR" altLang="en-US" sz="1000" baseline="0" dirty="0" smtClean="0"/>
+                      <a:endParaRPr lang="en-US" altLang="ko-KR" sz="1000" baseline="0" dirty="0"/>
+                    </a:p>
+                    <a:p>
+                      <a:pPr algn="ctr" latinLnBrk="1"/>
+                      <a:r>
+                        <a:rPr lang="ko-KR" altLang="en-US" sz="1000" baseline="0" dirty="0"/>
+                        <a:t>숨기기 버튼</a:t>
+                      </a:r>
+                      <a:endParaRPr lang="en-US" altLang="ko-KR" sz="1000" baseline="0" dirty="0"/>
+                    </a:p>
+                    <a:p>
+                      <a:pPr algn="ctr" latinLnBrk="1"/>
+                      <a:r>
+                        <a:rPr lang="ko-KR" altLang="en-US" sz="1000" baseline="0" dirty="0"/>
+                        <a:t>보이기 버튼</a:t>
+                      </a:r>
+                      <a:endParaRPr lang="en-US" altLang="ko-KR" sz="1000" baseline="0" dirty="0"/>
+                    </a:p>
+                    <a:p>
+                      <a:pPr algn="ctr" latinLnBrk="1"/>
+                      <a:r>
+                        <a:rPr lang="ko-KR" altLang="en-US" sz="1000" baseline="0" dirty="0"/>
+                        <a:t>검색 </a:t>
+                      </a:r>
+                      <a:r>
+                        <a:rPr lang="en-US" altLang="ko-KR" sz="1000" baseline="0" dirty="0"/>
+                        <a:t>Text field</a:t>
+                      </a:r>
+                    </a:p>
+                    <a:p>
+                      <a:pPr algn="ctr" latinLnBrk="1"/>
+                      <a:r>
+                        <a:rPr lang="ko-KR" altLang="en-US" sz="1000" baseline="0" dirty="0"/>
+                        <a:t>검색 버튼</a:t>
+                      </a:r>
+                      <a:endParaRPr lang="en-US" altLang="ko-KR" sz="1000" baseline="0" dirty="0"/>
+                    </a:p>
+                    <a:p>
+                      <a:pPr algn="ctr" latinLnBrk="1"/>
+                      <a:r>
+                        <a:rPr lang="ko-KR" altLang="en-US" sz="1000" baseline="0" dirty="0"/>
                         <a:t>수강과목 </a:t>
                       </a:r>
                       <a:r>
-                        <a:rPr lang="en-US" altLang="ko-KR" sz="1000" baseline="0" dirty="0" smtClean="0"/>
+                        <a:rPr lang="en-US" altLang="ko-KR" sz="1000" baseline="0" dirty="0"/>
                         <a:t>table</a:t>
                       </a:r>
                     </a:p>
                     <a:p>
                       <a:pPr algn="ctr" latinLnBrk="1"/>
                       <a:r>
-                        <a:rPr lang="en-US" altLang="ko-KR" sz="1000" baseline="0" dirty="0" smtClean="0"/>
+                        <a:rPr lang="en-US" altLang="ko-KR" sz="1000" baseline="0" dirty="0"/>
                         <a:t>To do list table</a:t>
                       </a:r>
                     </a:p>
                   </a:txBody>
                   <a:tcPr/>
                 </a:tc>
+                <a:extLst>
+                  <a:ext uri="{0D108BD9-81ED-4DB2-BD59-A6C34878D82A}">
+                    <a16:rowId xmlns:a16="http://schemas.microsoft.com/office/drawing/2014/main" val="10001"/>
+                  </a:ext>
+                </a:extLst>
               </a:tr>
-              <a:tr h="847373">
+              <a:tr h="761225">
                 <a:tc>
                   <a:txBody>
                     <a:bodyPr/>
@@ -4464,69 +4670,74 @@
                     <a:p>
                       <a:pPr algn="ctr" latinLnBrk="1"/>
                       <a:r>
-                        <a:rPr lang="ko-KR" altLang="en-US" sz="1000" dirty="0" smtClean="0"/>
+                        <a:rPr lang="ko-KR" altLang="en-US" sz="1000" dirty="0"/>
                         <a:t>수강과목 등록기능 호출</a:t>
                       </a:r>
                       <a:r>
-                        <a:rPr lang="en-US" altLang="ko-KR" sz="1000" dirty="0" smtClean="0"/>
+                        <a:rPr lang="en-US" altLang="ko-KR" sz="1000" dirty="0"/>
                         <a:t>()</a:t>
                       </a:r>
                     </a:p>
                     <a:p>
                       <a:pPr algn="ctr" latinLnBrk="1"/>
                       <a:r>
-                        <a:rPr lang="en-US" altLang="ko-KR" sz="1000" dirty="0" smtClean="0"/>
+                        <a:rPr lang="en-US" altLang="ko-KR" sz="1000" dirty="0"/>
                         <a:t>To do</a:t>
                       </a:r>
                       <a:r>
-                        <a:rPr lang="en-US" altLang="ko-KR" sz="1000" baseline="0" dirty="0" smtClean="0"/>
+                        <a:rPr lang="en-US" altLang="ko-KR" sz="1000" baseline="0" dirty="0"/>
                         <a:t> list </a:t>
                       </a:r>
                       <a:r>
-                        <a:rPr lang="ko-KR" altLang="en-US" sz="1000" baseline="0" dirty="0" smtClean="0"/>
+                        <a:rPr lang="ko-KR" altLang="en-US" sz="1000" baseline="0" dirty="0"/>
                         <a:t>등록기능 호출</a:t>
                       </a:r>
                       <a:r>
-                        <a:rPr lang="en-US" altLang="ko-KR" sz="1000" baseline="0" dirty="0" smtClean="0"/>
+                        <a:rPr lang="en-US" altLang="ko-KR" sz="1000" baseline="0" dirty="0"/>
                         <a:t>()</a:t>
                       </a:r>
                     </a:p>
                     <a:p>
                       <a:pPr algn="ctr" latinLnBrk="1"/>
                       <a:r>
-                        <a:rPr lang="ko-KR" altLang="en-US" sz="1000" baseline="0" dirty="0" smtClean="0"/>
+                        <a:rPr lang="ko-KR" altLang="en-US" sz="1000" baseline="0" dirty="0"/>
                         <a:t>수정기능</a:t>
                       </a:r>
                       <a:r>
-                        <a:rPr lang="en-US" altLang="ko-KR" sz="1000" baseline="0" dirty="0" smtClean="0"/>
+                        <a:rPr lang="en-US" altLang="ko-KR" sz="1000" baseline="0" dirty="0"/>
                         <a:t>()</a:t>
                       </a:r>
                     </a:p>
                     <a:p>
                       <a:pPr algn="ctr" latinLnBrk="1"/>
                       <a:r>
-                        <a:rPr lang="ko-KR" altLang="en-US" sz="1000" baseline="0" dirty="0" smtClean="0"/>
+                        <a:rPr lang="ko-KR" altLang="en-US" sz="1000" baseline="0" dirty="0"/>
                         <a:t>삭제기능</a:t>
                       </a:r>
                       <a:r>
-                        <a:rPr lang="en-US" altLang="ko-KR" sz="1000" baseline="0" dirty="0" smtClean="0"/>
+                        <a:rPr lang="en-US" altLang="ko-KR" sz="1000" baseline="0" dirty="0"/>
                         <a:t>()</a:t>
                       </a:r>
                     </a:p>
                     <a:p>
                       <a:pPr algn="ctr" latinLnBrk="1"/>
                       <a:r>
-                        <a:rPr lang="ko-KR" altLang="en-US" sz="1000" baseline="0" dirty="0" smtClean="0"/>
+                        <a:rPr lang="ko-KR" altLang="en-US" sz="1000" baseline="0" dirty="0"/>
                         <a:t>정렬기능</a:t>
                       </a:r>
                       <a:r>
-                        <a:rPr lang="en-US" altLang="ko-KR" sz="1000" baseline="0" dirty="0" smtClean="0"/>
+                        <a:rPr lang="en-US" altLang="ko-KR" sz="1000" baseline="0" dirty="0"/>
                         <a:t>()</a:t>
                       </a:r>
                     </a:p>
                   </a:txBody>
                   <a:tcPr/>
                 </a:tc>
+                <a:extLst>
+                  <a:ext uri="{0D108BD9-81ED-4DB2-BD59-A6C34878D82A}">
+                    <a16:rowId xmlns:a16="http://schemas.microsoft.com/office/drawing/2014/main" val="10002"/>
+                  </a:ext>
+                </a:extLst>
               </a:tr>
             </a:tbl>
           </a:graphicData>
@@ -4541,7 +4752,7 @@
           <p:nvPr>
             <p:extLst>
               <p:ext uri="{D42A27DB-BD31-4B8C-83A1-F6EECF244321}">
-                <p14:modId xmlns:p14="http://schemas.microsoft.com/office/powerpoint/2010/main" val="3181435278"/>
+                <p14:modId xmlns:p14="http://schemas.microsoft.com/office/powerpoint/2010/main" val="2433908302"/>
               </p:ext>
             </p:extLst>
           </p:nvPr>
@@ -4557,7 +4768,13 @@
                 <a:tableStyleId>{5C22544A-7EE6-4342-B048-85BDC9FD1C3A}</a:tableStyleId>
               </a:tblPr>
               <a:tblGrid>
-                <a:gridCol w="1656184"/>
+                <a:gridCol w="1656184">
+                  <a:extLst>
+                    <a:ext uri="{9D8B030D-6E8A-4147-A177-3AD203B41FA5}">
+                      <a16:colId xmlns:a16="http://schemas.microsoft.com/office/drawing/2014/main" val="20000"/>
+                    </a:ext>
+                  </a:extLst>
+                </a:gridCol>
               </a:tblGrid>
               <a:tr h="191884">
                 <a:tc>
@@ -4567,7 +4784,7 @@
                     <a:p>
                       <a:pPr algn="ctr" latinLnBrk="1"/>
                       <a:r>
-                        <a:rPr lang="en-US" altLang="ko-KR" sz="1000" dirty="0" smtClean="0"/>
+                        <a:rPr lang="en-US" altLang="ko-KR" sz="1000" dirty="0"/>
                         <a:t>Login</a:t>
                       </a:r>
                       <a:endParaRPr lang="ko-KR" altLang="en-US" sz="1000" dirty="0"/>
@@ -4575,6 +4792,11 @@
                   </a:txBody>
                   <a:tcPr/>
                 </a:tc>
+                <a:extLst>
+                  <a:ext uri="{0D108BD9-81ED-4DB2-BD59-A6C34878D82A}">
+                    <a16:rowId xmlns:a16="http://schemas.microsoft.com/office/drawing/2014/main" val="10000"/>
+                  </a:ext>
+                </a:extLst>
               </a:tr>
               <a:tr h="876470">
                 <a:tc>
@@ -4584,57 +4806,74 @@
                     <a:p>
                       <a:pPr algn="ctr" latinLnBrk="1"/>
                       <a:r>
-                        <a:rPr lang="ko-KR" altLang="en-US" sz="1000" dirty="0" smtClean="0"/>
+                        <a:rPr lang="ko-KR" altLang="en-US" sz="1000" dirty="0"/>
                         <a:t>회원가입 버튼</a:t>
                       </a:r>
-                      <a:endParaRPr lang="en-US" altLang="ko-KR" sz="1000" dirty="0" smtClean="0"/>
-                    </a:p>
-                    <a:p>
-                      <a:pPr algn="ctr" latinLnBrk="1"/>
-                      <a:r>
-                        <a:rPr lang="ko-KR" altLang="en-US" sz="1000" dirty="0" smtClean="0"/>
+                      <a:endParaRPr lang="en-US" altLang="ko-KR" sz="1000" dirty="0"/>
+                    </a:p>
+                    <a:p>
+                      <a:pPr algn="ctr" latinLnBrk="1"/>
+                      <a:r>
+                        <a:rPr lang="ko-KR" altLang="en-US" sz="1000" dirty="0"/>
                         <a:t>로그인 버튼</a:t>
                       </a:r>
-                      <a:endParaRPr lang="en-US" altLang="ko-KR" sz="1000" dirty="0" smtClean="0"/>
-                    </a:p>
-                    <a:p>
-                      <a:pPr algn="ctr" latinLnBrk="1"/>
-                      <a:r>
-                        <a:rPr lang="ko-KR" altLang="en-US" sz="1000" dirty="0" smtClean="0"/>
-                        <a:t>아이디 찾기 버튼</a:t>
-                      </a:r>
-                      <a:endParaRPr lang="en-US" altLang="ko-KR" sz="1000" dirty="0" smtClean="0"/>
-                    </a:p>
-                    <a:p>
-                      <a:pPr algn="ctr" latinLnBrk="1"/>
-                      <a:r>
-                        <a:rPr lang="ko-KR" altLang="en-US" sz="1000" dirty="0" smtClean="0"/>
-                        <a:t>비밀번호 찾기 버튼</a:t>
-                      </a:r>
-                      <a:endParaRPr lang="en-US" altLang="ko-KR" sz="1000" dirty="0" smtClean="0"/>
-                    </a:p>
-                    <a:p>
-                      <a:pPr algn="ctr" latinLnBrk="1"/>
-                      <a:r>
-                        <a:rPr lang="en-US" altLang="ko-KR" sz="1000" dirty="0" smtClean="0"/>
+                      <a:endParaRPr lang="en-US" altLang="ko-KR" sz="1000" dirty="0"/>
+                    </a:p>
+                    <a:p>
+                      <a:pPr algn="ctr" latinLnBrk="1"/>
+                      <a:r>
+                        <a:rPr lang="en-US" altLang="ko-KR" sz="1000" dirty="0"/>
                         <a:t>ID</a:t>
                       </a:r>
                       <a:r>
-                        <a:rPr lang="en-US" altLang="ko-KR" sz="1000" baseline="0" dirty="0" smtClean="0"/>
+                        <a:rPr lang="ko-KR" altLang="en-US" sz="1000" dirty="0"/>
+                        <a:t>찾기 버튼</a:t>
+                      </a:r>
+                      <a:endParaRPr lang="en-US" altLang="ko-KR" sz="1000" dirty="0"/>
+                    </a:p>
+                    <a:p>
+                      <a:pPr algn="ctr" latinLnBrk="1"/>
+                      <a:r>
+                        <a:rPr lang="en-US" altLang="ko-KR" sz="1000" dirty="0"/>
+                        <a:t>PW</a:t>
+                      </a:r>
+                      <a:r>
+                        <a:rPr lang="ko-KR" altLang="en-US" sz="1000" dirty="0"/>
+                        <a:t>찾기 버튼</a:t>
+                      </a:r>
+                      <a:endParaRPr lang="en-US" altLang="ko-KR" sz="1000" dirty="0"/>
+                    </a:p>
+                    <a:p>
+                      <a:pPr algn="ctr" latinLnBrk="1"/>
+                      <a:r>
+                        <a:rPr lang="ko-KR" altLang="en-US" sz="1000" baseline="0" dirty="0"/>
+                        <a:t>아이디</a:t>
+                      </a:r>
+                      <a:r>
+                        <a:rPr lang="en-US" altLang="ko-KR" sz="1000" baseline="0" dirty="0"/>
                         <a:t> Text field</a:t>
                       </a:r>
                     </a:p>
                     <a:p>
                       <a:pPr algn="ctr" latinLnBrk="1"/>
                       <a:r>
-                        <a:rPr lang="en-US" altLang="ko-KR" sz="1000" baseline="0" dirty="0" smtClean="0"/>
-                        <a:t>PW Text field</a:t>
-                      </a:r>
-                      <a:endParaRPr lang="en-US" altLang="ko-KR" sz="1000" dirty="0" smtClean="0"/>
+                        <a:rPr lang="ko-KR" altLang="en-US" sz="1000" baseline="0" dirty="0"/>
+                        <a:t>비밀번호 </a:t>
+                      </a:r>
+                      <a:r>
+                        <a:rPr lang="en-US" altLang="ko-KR" sz="1000" baseline="0" dirty="0"/>
+                        <a:t>Text field</a:t>
+                      </a:r>
+                      <a:endParaRPr lang="en-US" altLang="ko-KR" sz="1000" dirty="0"/>
                     </a:p>
                   </a:txBody>
                   <a:tcPr/>
                 </a:tc>
+                <a:extLst>
+                  <a:ext uri="{0D108BD9-81ED-4DB2-BD59-A6C34878D82A}">
+                    <a16:rowId xmlns:a16="http://schemas.microsoft.com/office/drawing/2014/main" val="10001"/>
+                  </a:ext>
+                </a:extLst>
               </a:tr>
               <a:tr h="877073">
                 <a:tc>
@@ -4644,57 +4883,57 @@
                     <a:p>
                       <a:pPr algn="ctr" latinLnBrk="1"/>
                       <a:r>
-                        <a:rPr lang="en-US" altLang="ko-KR" sz="1000" dirty="0" smtClean="0"/>
+                        <a:rPr lang="en-US" altLang="ko-KR" sz="1000" dirty="0"/>
                         <a:t>ID</a:t>
                       </a:r>
                       <a:r>
-                        <a:rPr lang="en-US" altLang="ko-KR" sz="1000" baseline="0" dirty="0" smtClean="0"/>
+                        <a:rPr lang="en-US" altLang="ko-KR" sz="1000" baseline="0" dirty="0"/>
                         <a:t> </a:t>
                       </a:r>
                       <a:r>
-                        <a:rPr lang="ko-KR" altLang="en-US" sz="1000" baseline="0" dirty="0" smtClean="0"/>
+                        <a:rPr lang="ko-KR" altLang="en-US" sz="1000" baseline="0" dirty="0"/>
                         <a:t>입력</a:t>
                       </a:r>
                       <a:r>
-                        <a:rPr lang="en-US" altLang="ko-KR" sz="1000" baseline="0" dirty="0" smtClean="0"/>
+                        <a:rPr lang="en-US" altLang="ko-KR" sz="1000" baseline="0" dirty="0"/>
                         <a:t>()</a:t>
                       </a:r>
                     </a:p>
                     <a:p>
                       <a:pPr algn="ctr" latinLnBrk="1"/>
                       <a:r>
-                        <a:rPr lang="en-US" altLang="ko-KR" sz="1000" baseline="0" dirty="0" smtClean="0"/>
+                        <a:rPr lang="en-US" altLang="ko-KR" sz="1000" baseline="0" dirty="0"/>
                         <a:t>PW </a:t>
                       </a:r>
                       <a:r>
-                        <a:rPr lang="ko-KR" altLang="en-US" sz="1000" baseline="0" dirty="0" smtClean="0"/>
+                        <a:rPr lang="ko-KR" altLang="en-US" sz="1000" baseline="0" dirty="0"/>
                         <a:t>입력</a:t>
                       </a:r>
                       <a:r>
-                        <a:rPr lang="en-US" altLang="ko-KR" sz="1000" baseline="0" dirty="0" smtClean="0"/>
+                        <a:rPr lang="en-US" altLang="ko-KR" sz="1000" baseline="0" dirty="0"/>
                         <a:t>()</a:t>
                       </a:r>
                     </a:p>
                     <a:p>
                       <a:pPr algn="ctr" latinLnBrk="1"/>
                       <a:r>
-                        <a:rPr lang="ko-KR" altLang="en-US" sz="1000" baseline="0" dirty="0" smtClean="0"/>
+                        <a:rPr lang="ko-KR" altLang="en-US" sz="1000" baseline="0" dirty="0"/>
                         <a:t>회원가입 기능 호출</a:t>
                       </a:r>
-                      <a:endParaRPr lang="en-US" altLang="ko-KR" sz="1000" baseline="0" dirty="0" smtClean="0"/>
-                    </a:p>
-                    <a:p>
-                      <a:pPr algn="ctr" latinLnBrk="1"/>
-                      <a:r>
-                        <a:rPr lang="ko-KR" altLang="en-US" sz="1000" baseline="0" dirty="0" smtClean="0"/>
+                      <a:endParaRPr lang="en-US" altLang="ko-KR" sz="1000" baseline="0" dirty="0"/>
+                    </a:p>
+                    <a:p>
+                      <a:pPr algn="ctr" latinLnBrk="1"/>
+                      <a:r>
+                        <a:rPr lang="ko-KR" altLang="en-US" sz="1000" baseline="0" dirty="0"/>
                         <a:t>아이디 찾기 기능 호출</a:t>
                       </a:r>
-                      <a:endParaRPr lang="en-US" altLang="ko-KR" sz="1000" baseline="0" dirty="0" smtClean="0"/>
-                    </a:p>
-                    <a:p>
-                      <a:pPr algn="ctr" latinLnBrk="1"/>
-                      <a:r>
-                        <a:rPr lang="ko-KR" altLang="en-US" sz="1000" baseline="0" dirty="0" smtClean="0"/>
+                      <a:endParaRPr lang="en-US" altLang="ko-KR" sz="1000" baseline="0" dirty="0"/>
+                    </a:p>
+                    <a:p>
+                      <a:pPr algn="ctr" latinLnBrk="1"/>
+                      <a:r>
+                        <a:rPr lang="ko-KR" altLang="en-US" sz="1000" baseline="0" dirty="0"/>
                         <a:t>비밀번호 찾기 기능 호출</a:t>
                       </a:r>
                       <a:endParaRPr lang="ko-KR" altLang="en-US" sz="1000" dirty="0"/>
@@ -4702,6 +4941,11 @@
                   </a:txBody>
                   <a:tcPr/>
                 </a:tc>
+                <a:extLst>
+                  <a:ext uri="{0D108BD9-81ED-4DB2-BD59-A6C34878D82A}">
+                    <a16:rowId xmlns:a16="http://schemas.microsoft.com/office/drawing/2014/main" val="10002"/>
+                  </a:ext>
+                </a:extLst>
               </a:tr>
             </a:tbl>
           </a:graphicData>
@@ -4723,7 +4967,7 @@
         </p:nvGraphicFramePr>
         <p:xfrm>
           <a:off x="2504852" y="913912"/>
-          <a:ext cx="1440160" cy="2274023"/>
+          <a:ext cx="1440160" cy="2426423"/>
         </p:xfrm>
         <a:graphic>
           <a:graphicData uri="http://schemas.openxmlformats.org/drawingml/2006/table">
@@ -4732,7 +4976,13 @@
                 <a:tableStyleId>{5C22544A-7EE6-4342-B048-85BDC9FD1C3A}</a:tableStyleId>
               </a:tblPr>
               <a:tblGrid>
-                <a:gridCol w="1440160"/>
+                <a:gridCol w="1440160">
+                  <a:extLst>
+                    <a:ext uri="{9D8B030D-6E8A-4147-A177-3AD203B41FA5}">
+                      <a16:colId xmlns:a16="http://schemas.microsoft.com/office/drawing/2014/main" val="20000"/>
+                    </a:ext>
+                  </a:extLst>
+                </a:gridCol>
               </a:tblGrid>
               <a:tr h="262343">
                 <a:tc>
@@ -4742,7 +4992,7 @@
                     <a:p>
                       <a:pPr algn="ctr" latinLnBrk="1"/>
                       <a:r>
-                        <a:rPr lang="en-US" altLang="ko-KR" sz="1000" dirty="0" smtClean="0"/>
+                        <a:rPr lang="en-US" altLang="ko-KR" sz="1000" dirty="0"/>
                         <a:t>Join</a:t>
                       </a:r>
                       <a:endParaRPr lang="ko-KR" altLang="en-US" sz="1000" dirty="0"/>
@@ -4750,6 +5000,11 @@
                   </a:txBody>
                   <a:tcPr/>
                 </a:tc>
+                <a:extLst>
+                  <a:ext uri="{0D108BD9-81ED-4DB2-BD59-A6C34878D82A}">
+                    <a16:rowId xmlns:a16="http://schemas.microsoft.com/office/drawing/2014/main" val="10000"/>
+                  </a:ext>
+                </a:extLst>
               </a:tr>
               <a:tr h="840936">
                 <a:tc>
@@ -4759,55 +5014,55 @@
                     <a:p>
                       <a:pPr algn="ctr" latinLnBrk="1"/>
                       <a:r>
-                        <a:rPr lang="ko-KR" altLang="en-US" sz="1000" dirty="0" smtClean="0"/>
+                        <a:rPr lang="ko-KR" altLang="en-US" sz="1000" dirty="0"/>
                         <a:t>회원가입 완료 버튼</a:t>
                       </a:r>
-                      <a:endParaRPr lang="en-US" altLang="ko-KR" sz="1000" dirty="0" smtClean="0"/>
-                    </a:p>
-                    <a:p>
-                      <a:pPr algn="ctr" latinLnBrk="1"/>
-                      <a:r>
-                        <a:rPr lang="en-US" altLang="ko-KR" sz="1000" dirty="0" smtClean="0"/>
+                      <a:endParaRPr lang="en-US" altLang="ko-KR" sz="1000" dirty="0"/>
+                    </a:p>
+                    <a:p>
+                      <a:pPr algn="ctr" latinLnBrk="1"/>
+                      <a:r>
+                        <a:rPr lang="en-US" altLang="ko-KR" sz="1000" dirty="0"/>
                         <a:t>ID</a:t>
                       </a:r>
                       <a:r>
-                        <a:rPr lang="en-US" altLang="ko-KR" sz="1000" baseline="0" dirty="0" smtClean="0"/>
+                        <a:rPr lang="en-US" altLang="ko-KR" sz="1000" baseline="0" dirty="0"/>
                         <a:t> Text field</a:t>
                       </a:r>
                     </a:p>
                     <a:p>
                       <a:pPr algn="ctr" latinLnBrk="1"/>
                       <a:r>
-                        <a:rPr lang="en-US" altLang="ko-KR" sz="1000" baseline="0" dirty="0" smtClean="0"/>
+                        <a:rPr lang="en-US" altLang="ko-KR" sz="1000" baseline="0" dirty="0"/>
                         <a:t>PW Text field</a:t>
                       </a:r>
                     </a:p>
                     <a:p>
                       <a:pPr algn="ctr" latinLnBrk="1"/>
                       <a:r>
-                        <a:rPr lang="en-US" altLang="ko-KR" sz="1000" baseline="0" dirty="0" smtClean="0"/>
+                        <a:rPr lang="en-US" altLang="ko-KR" sz="1000" baseline="0" dirty="0"/>
                         <a:t>PW </a:t>
                       </a:r>
                       <a:r>
-                        <a:rPr lang="ko-KR" altLang="en-US" sz="1000" baseline="0" dirty="0" smtClean="0"/>
+                        <a:rPr lang="ko-KR" altLang="en-US" sz="1000" baseline="0" dirty="0"/>
                         <a:t>재확인 </a:t>
                       </a:r>
                       <a:r>
-                        <a:rPr lang="en-US" altLang="ko-KR" sz="1000" baseline="0" dirty="0" smtClean="0"/>
+                        <a:rPr lang="en-US" altLang="ko-KR" sz="1000" baseline="0" dirty="0"/>
                         <a:t>Text field</a:t>
                       </a:r>
                     </a:p>
                     <a:p>
                       <a:pPr algn="ctr" latinLnBrk="1"/>
                       <a:r>
-                        <a:rPr lang="en-US" altLang="ko-KR" sz="1000" baseline="0" dirty="0" smtClean="0"/>
+                        <a:rPr lang="en-US" altLang="ko-KR" sz="1000" baseline="0" dirty="0"/>
                         <a:t>Nickname Text field</a:t>
                       </a:r>
                     </a:p>
                     <a:p>
                       <a:pPr algn="ctr" latinLnBrk="1"/>
                       <a:r>
-                        <a:rPr lang="en-US" altLang="ko-KR" sz="1000" baseline="0" dirty="0" smtClean="0"/>
+                        <a:rPr lang="en-US" altLang="ko-KR" sz="1000" baseline="0" dirty="0"/>
                         <a:t>E-mail Text field</a:t>
                       </a:r>
                       <a:endParaRPr lang="ko-KR" altLang="en-US" sz="1000" dirty="0"/>
@@ -4815,6 +5070,11 @@
                   </a:txBody>
                   <a:tcPr/>
                 </a:tc>
+                <a:extLst>
+                  <a:ext uri="{0D108BD9-81ED-4DB2-BD59-A6C34878D82A}">
+                    <a16:rowId xmlns:a16="http://schemas.microsoft.com/office/drawing/2014/main" val="10001"/>
+                  </a:ext>
+                </a:extLst>
               </a:tr>
               <a:tr h="840936">
                 <a:tc>
@@ -4824,102 +5084,102 @@
                     <a:p>
                       <a:pPr algn="ctr" latinLnBrk="1"/>
                       <a:r>
-                        <a:rPr lang="en-US" altLang="ko-KR" sz="1000" dirty="0" smtClean="0"/>
+                        <a:rPr lang="en-US" altLang="ko-KR" sz="1000" dirty="0"/>
                         <a:t>ID</a:t>
                       </a:r>
                       <a:r>
-                        <a:rPr lang="en-US" altLang="ko-KR" sz="1000" baseline="0" dirty="0" smtClean="0"/>
+                        <a:rPr lang="en-US" altLang="ko-KR" sz="1000" baseline="0" dirty="0"/>
                         <a:t> </a:t>
                       </a:r>
                       <a:r>
-                        <a:rPr lang="ko-KR" altLang="en-US" sz="1000" baseline="0" dirty="0" smtClean="0"/>
+                        <a:rPr lang="ko-KR" altLang="en-US" sz="1000" baseline="0" dirty="0"/>
                         <a:t>입력</a:t>
                       </a:r>
                       <a:r>
-                        <a:rPr lang="en-US" altLang="ko-KR" sz="1000" baseline="0" dirty="0" smtClean="0"/>
+                        <a:rPr lang="en-US" altLang="ko-KR" sz="1000" baseline="0" dirty="0"/>
                         <a:t>()</a:t>
                       </a:r>
                     </a:p>
                     <a:p>
                       <a:pPr algn="ctr" latinLnBrk="1"/>
                       <a:r>
-                        <a:rPr lang="en-US" altLang="ko-KR" sz="1000" baseline="0" dirty="0" smtClean="0"/>
+                        <a:rPr lang="en-US" altLang="ko-KR" sz="1000" baseline="0" dirty="0"/>
                         <a:t>PW</a:t>
                       </a:r>
                       <a:r>
-                        <a:rPr lang="ko-KR" altLang="en-US" sz="1000" baseline="0" dirty="0" smtClean="0"/>
+                        <a:rPr lang="ko-KR" altLang="en-US" sz="1000" baseline="0" dirty="0"/>
                         <a:t> 입력</a:t>
                       </a:r>
                       <a:r>
-                        <a:rPr lang="en-US" altLang="ko-KR" sz="1000" baseline="0" dirty="0" smtClean="0"/>
+                        <a:rPr lang="en-US" altLang="ko-KR" sz="1000" baseline="0" dirty="0"/>
                         <a:t>()</a:t>
                       </a:r>
                     </a:p>
                     <a:p>
                       <a:pPr algn="ctr" latinLnBrk="1"/>
                       <a:r>
-                        <a:rPr lang="en-US" altLang="ko-KR" sz="1000" dirty="0" smtClean="0"/>
+                        <a:rPr lang="en-US" altLang="ko-KR" sz="1000" dirty="0"/>
                         <a:t>PW</a:t>
                       </a:r>
                       <a:r>
-                        <a:rPr lang="en-US" altLang="ko-KR" sz="1000" baseline="0" dirty="0" smtClean="0"/>
+                        <a:rPr lang="en-US" altLang="ko-KR" sz="1000" baseline="0" dirty="0"/>
                         <a:t> </a:t>
                       </a:r>
                       <a:r>
-                        <a:rPr lang="ko-KR" altLang="en-US" sz="1000" baseline="0" dirty="0" smtClean="0"/>
+                        <a:rPr lang="ko-KR" altLang="en-US" sz="1000" baseline="0" dirty="0"/>
                         <a:t>재확인 입력</a:t>
                       </a:r>
                       <a:r>
-                        <a:rPr lang="en-US" altLang="ko-KR" sz="1000" baseline="0" dirty="0" smtClean="0"/>
+                        <a:rPr lang="en-US" altLang="ko-KR" sz="1000" baseline="0" dirty="0"/>
                         <a:t>()</a:t>
                       </a:r>
                     </a:p>
                     <a:p>
                       <a:pPr algn="ctr" latinLnBrk="1"/>
                       <a:r>
-                        <a:rPr lang="en-US" altLang="ko-KR" sz="1000" baseline="0" dirty="0" smtClean="0"/>
+                        <a:rPr lang="en-US" altLang="ko-KR" sz="1000" baseline="0" dirty="0"/>
                         <a:t>Nickname </a:t>
                       </a:r>
                       <a:r>
-                        <a:rPr lang="ko-KR" altLang="en-US" sz="1000" baseline="0" dirty="0" smtClean="0"/>
+                        <a:rPr lang="ko-KR" altLang="en-US" sz="1000" baseline="0" dirty="0"/>
                         <a:t>입력</a:t>
                       </a:r>
                       <a:r>
-                        <a:rPr lang="en-US" altLang="ko-KR" sz="1000" baseline="0" dirty="0" smtClean="0"/>
+                        <a:rPr lang="en-US" altLang="ko-KR" sz="1000" baseline="0" dirty="0"/>
                         <a:t>()</a:t>
                       </a:r>
                     </a:p>
                     <a:p>
                       <a:pPr algn="ctr" latinLnBrk="1"/>
                       <a:r>
-                        <a:rPr lang="en-US" altLang="ko-KR" sz="1000" baseline="0" dirty="0" smtClean="0"/>
+                        <a:rPr lang="en-US" altLang="ko-KR" sz="1000" baseline="0" dirty="0"/>
                         <a:t>E-mail </a:t>
                       </a:r>
                       <a:r>
-                        <a:rPr lang="ko-KR" altLang="en-US" sz="1000" baseline="0" dirty="0" smtClean="0"/>
+                        <a:rPr lang="ko-KR" altLang="en-US" sz="1000" baseline="0" dirty="0"/>
                         <a:t>입력</a:t>
                       </a:r>
                       <a:r>
-                        <a:rPr lang="en-US" altLang="ko-KR" sz="1000" baseline="0" dirty="0" smtClean="0"/>
+                        <a:rPr lang="en-US" altLang="ko-KR" sz="1000" baseline="0" dirty="0"/>
                         <a:t>()</a:t>
                       </a:r>
                     </a:p>
                     <a:p>
                       <a:pPr algn="ctr" latinLnBrk="1"/>
                       <a:r>
-                        <a:rPr lang="en-US" altLang="ko-KR" sz="1000" dirty="0" smtClean="0"/>
+                        <a:rPr lang="en-US" altLang="ko-KR" sz="1000" dirty="0"/>
                         <a:t>ID</a:t>
                       </a:r>
                       <a:r>
-                        <a:rPr lang="en-US" altLang="ko-KR" sz="1000" baseline="0" dirty="0" smtClean="0"/>
+                        <a:rPr lang="en-US" altLang="ko-KR" sz="1000" baseline="0" dirty="0"/>
                         <a:t> </a:t>
                       </a:r>
                       <a:r>
-                        <a:rPr lang="ko-KR" altLang="en-US" sz="1000" baseline="0" dirty="0" smtClean="0"/>
+                        <a:rPr lang="ko-KR" altLang="en-US" sz="1000" baseline="0" dirty="0"/>
                         <a:t>생성</a:t>
                       </a:r>
                       <a:r>
-                        <a:rPr lang="en-US" altLang="ko-KR" sz="1000" baseline="0" dirty="0" smtClean="0"/>
+                        <a:rPr lang="en-US" altLang="ko-KR" sz="1000" baseline="0" dirty="0"/>
                         <a:t>()</a:t>
                       </a:r>
                       <a:endParaRPr lang="ko-KR" altLang="en-US" sz="1000" dirty="0"/>
@@ -4927,6 +5187,11 @@
                   </a:txBody>
                   <a:tcPr/>
                 </a:tc>
+                <a:extLst>
+                  <a:ext uri="{0D108BD9-81ED-4DB2-BD59-A6C34878D82A}">
+                    <a16:rowId xmlns:a16="http://schemas.microsoft.com/office/drawing/2014/main" val="10002"/>
+                  </a:ext>
+                </a:extLst>
               </a:tr>
             </a:tbl>
           </a:graphicData>
@@ -4941,14 +5206,14 @@
           <p:nvPr>
             <p:extLst>
               <p:ext uri="{D42A27DB-BD31-4B8C-83A1-F6EECF244321}">
-                <p14:modId xmlns:p14="http://schemas.microsoft.com/office/powerpoint/2010/main" val="1057887849"/>
+                <p14:modId xmlns:p14="http://schemas.microsoft.com/office/powerpoint/2010/main" val="2452214932"/>
               </p:ext>
             </p:extLst>
           </p:nvPr>
         </p:nvGraphicFramePr>
         <p:xfrm>
           <a:off x="2504852" y="3607421"/>
-          <a:ext cx="1512168" cy="2560320"/>
+          <a:ext cx="1512168" cy="2269544"/>
         </p:xfrm>
         <a:graphic>
           <a:graphicData uri="http://schemas.openxmlformats.org/drawingml/2006/table">
@@ -4957,7 +5222,13 @@
                 <a:tableStyleId>{5C22544A-7EE6-4342-B048-85BDC9FD1C3A}</a:tableStyleId>
               </a:tblPr>
               <a:tblGrid>
-                <a:gridCol w="1512168"/>
+                <a:gridCol w="1512168">
+                  <a:extLst>
+                    <a:ext uri="{9D8B030D-6E8A-4147-A177-3AD203B41FA5}">
+                      <a16:colId xmlns:a16="http://schemas.microsoft.com/office/drawing/2014/main" val="20000"/>
+                    </a:ext>
+                  </a:extLst>
+                </a:gridCol>
               </a:tblGrid>
               <a:tr h="221575">
                 <a:tc>
@@ -4967,14 +5238,18 @@
                     <a:p>
                       <a:pPr algn="ctr" latinLnBrk="1"/>
                       <a:r>
-                        <a:rPr lang="ko-KR" altLang="en-US" sz="1000" dirty="0" smtClean="0"/>
+                        <a:rPr lang="ko-KR" altLang="en-US" sz="1000" dirty="0"/>
                         <a:t>과목 등록</a:t>
                       </a:r>
-                      <a:endParaRPr lang="ko-KR" altLang="en-US" sz="1000" dirty="0"/>
                     </a:p>
                   </a:txBody>
                   <a:tcPr/>
                 </a:tc>
+                <a:extLst>
+                  <a:ext uri="{0D108BD9-81ED-4DB2-BD59-A6C34878D82A}">
+                    <a16:rowId xmlns:a16="http://schemas.microsoft.com/office/drawing/2014/main" val="10000"/>
+                  </a:ext>
+                </a:extLst>
               </a:tr>
               <a:tr h="1012852">
                 <a:tc>
@@ -4984,84 +5259,82 @@
                     <a:p>
                       <a:pPr algn="ctr" latinLnBrk="1"/>
                       <a:r>
-                        <a:rPr lang="ko-KR" altLang="en-US" sz="1000" dirty="0" smtClean="0"/>
+                        <a:rPr lang="ko-KR" altLang="en-US" sz="1000" dirty="0"/>
                         <a:t>과목명 </a:t>
                       </a:r>
                       <a:r>
-                        <a:rPr lang="en-US" altLang="ko-KR" sz="1000" dirty="0" smtClean="0"/>
+                        <a:rPr lang="en-US" altLang="ko-KR" sz="1000" dirty="0"/>
                         <a:t>Text field</a:t>
                       </a:r>
                     </a:p>
                     <a:p>
                       <a:pPr algn="ctr" latinLnBrk="1"/>
                       <a:r>
-                        <a:rPr lang="ko-KR" altLang="en-US" sz="1000" dirty="0" smtClean="0"/>
-                        <a:t>담당교수 </a:t>
-                      </a:r>
-                      <a:r>
-                        <a:rPr lang="en-US" altLang="ko-KR" sz="1000" dirty="0" smtClean="0"/>
+                        <a:rPr lang="ko-KR" altLang="en-US" sz="1000" dirty="0" err="1"/>
+                        <a:t>교수명</a:t>
+                      </a:r>
+                      <a:r>
+                        <a:rPr lang="ko-KR" altLang="en-US" sz="1000" dirty="0"/>
+                        <a:t> </a:t>
+                      </a:r>
+                      <a:r>
+                        <a:rPr lang="en-US" altLang="ko-KR" sz="1000" dirty="0"/>
                         <a:t>Text</a:t>
                       </a:r>
                       <a:r>
-                        <a:rPr lang="en-US" altLang="ko-KR" sz="1000" baseline="0" dirty="0" smtClean="0"/>
+                        <a:rPr lang="en-US" altLang="ko-KR" sz="1000" baseline="0" dirty="0"/>
                         <a:t> field</a:t>
                       </a:r>
                     </a:p>
                     <a:p>
                       <a:pPr algn="ctr" latinLnBrk="1"/>
                       <a:r>
-                        <a:rPr lang="ko-KR" altLang="en-US" sz="1000" dirty="0" smtClean="0"/>
-                        <a:t>강의요일</a:t>
-                      </a:r>
-                      <a:r>
-                        <a:rPr lang="en-US" altLang="ko-KR" sz="1000" baseline="0" dirty="0" smtClean="0"/>
+                        <a:rPr lang="ko-KR" altLang="en-US" sz="1000" baseline="0" dirty="0"/>
+                        <a:t>수업시간</a:t>
+                      </a:r>
+                      <a:r>
+                        <a:rPr lang="en-US" altLang="ko-KR" sz="1000" baseline="0" dirty="0"/>
                         <a:t> Text field</a:t>
                       </a:r>
                     </a:p>
                     <a:p>
                       <a:pPr algn="ctr" latinLnBrk="1"/>
                       <a:r>
-                        <a:rPr lang="ko-KR" altLang="en-US" sz="1000" baseline="0" dirty="0" smtClean="0"/>
-                        <a:t>시간 </a:t>
-                      </a:r>
-                      <a:r>
-                        <a:rPr lang="en-US" altLang="ko-KR" sz="1000" baseline="0" dirty="0" smtClean="0"/>
+                        <a:rPr lang="ko-KR" altLang="en-US" sz="1000" baseline="0" dirty="0"/>
+                        <a:t>학년 </a:t>
+                      </a:r>
+                      <a:r>
+                        <a:rPr lang="en-US" altLang="ko-KR" sz="1000" baseline="0" dirty="0"/>
                         <a:t>Text field</a:t>
                       </a:r>
                     </a:p>
                     <a:p>
                       <a:pPr algn="ctr" latinLnBrk="1"/>
                       <a:r>
-                        <a:rPr lang="ko-KR" altLang="en-US" sz="1000" dirty="0" smtClean="0"/>
-                        <a:t>수강연도</a:t>
-                      </a:r>
-                      <a:r>
-                        <a:rPr lang="en-US" altLang="ko-KR" sz="1000" baseline="0" dirty="0" smtClean="0"/>
-                        <a:t> Text field</a:t>
-                      </a:r>
-                    </a:p>
-                    <a:p>
-                      <a:pPr algn="ctr" latinLnBrk="1"/>
-                      <a:r>
-                        <a:rPr lang="ko-KR" altLang="en-US" sz="1000" baseline="0" dirty="0" smtClean="0"/>
+                        <a:rPr lang="ko-KR" altLang="en-US" sz="1000" baseline="0" dirty="0"/>
                         <a:t>학기 </a:t>
                       </a:r>
                       <a:r>
-                        <a:rPr lang="en-US" altLang="ko-KR" sz="1000" baseline="0" dirty="0" smtClean="0"/>
+                        <a:rPr lang="en-US" altLang="ko-KR" sz="1000" baseline="0" dirty="0"/>
                         <a:t>Text field</a:t>
                       </a:r>
                     </a:p>
                     <a:p>
                       <a:pPr algn="ctr" latinLnBrk="1"/>
                       <a:r>
-                        <a:rPr lang="ko-KR" altLang="en-US" sz="1000" baseline="0" dirty="0" smtClean="0"/>
-                        <a:t>등록 버튼</a:t>
+                        <a:rPr lang="ko-KR" altLang="en-US" sz="1000" baseline="0" dirty="0"/>
+                        <a:t>과목등록 버튼</a:t>
                       </a:r>
                       <a:endParaRPr lang="ko-KR" altLang="en-US" sz="1000" dirty="0"/>
                     </a:p>
                   </a:txBody>
                   <a:tcPr/>
                 </a:tc>
+                <a:extLst>
+                  <a:ext uri="{0D108BD9-81ED-4DB2-BD59-A6C34878D82A}">
+                    <a16:rowId xmlns:a16="http://schemas.microsoft.com/office/drawing/2014/main" val="10001"/>
+                  </a:ext>
+                </a:extLst>
               </a:tr>
               <a:tr h="1012852">
                 <a:tc>
@@ -5071,84 +5344,66 @@
                     <a:p>
                       <a:pPr algn="ctr" latinLnBrk="1"/>
                       <a:r>
-                        <a:rPr lang="ko-KR" altLang="en-US" sz="1000" dirty="0" smtClean="0"/>
+                        <a:rPr lang="ko-KR" altLang="en-US" sz="1000" dirty="0"/>
                         <a:t>과목명 입력</a:t>
                       </a:r>
                       <a:r>
-                        <a:rPr lang="en-US" altLang="ko-KR" sz="1000" dirty="0" smtClean="0"/>
+                        <a:rPr lang="en-US" altLang="ko-KR" sz="1000" dirty="0"/>
                         <a:t>()</a:t>
                       </a:r>
                     </a:p>
                     <a:p>
                       <a:pPr algn="ctr" latinLnBrk="1"/>
                       <a:r>
-                        <a:rPr lang="ko-KR" altLang="en-US" sz="1000" dirty="0" smtClean="0"/>
+                        <a:rPr lang="ko-KR" altLang="en-US" sz="1000" dirty="0"/>
                         <a:t>담당교수 입력</a:t>
                       </a:r>
                       <a:r>
-                        <a:rPr lang="en-US" altLang="ko-KR" sz="1000" dirty="0" smtClean="0"/>
+                        <a:rPr lang="en-US" altLang="ko-KR" sz="1000" dirty="0"/>
                         <a:t>()</a:t>
                       </a:r>
                     </a:p>
                     <a:p>
                       <a:pPr algn="ctr" latinLnBrk="1"/>
                       <a:r>
-                        <a:rPr lang="ko-KR" altLang="en-US" sz="1000" dirty="0" smtClean="0"/>
-                        <a:t>강의요일 입력</a:t>
-                      </a:r>
-                      <a:r>
-                        <a:rPr lang="en-US" altLang="ko-KR" sz="1000" dirty="0" smtClean="0"/>
+                        <a:rPr lang="ko-KR" altLang="en-US" sz="1000" dirty="0"/>
+                        <a:t>수업시간 입력</a:t>
+                      </a:r>
+                      <a:r>
+                        <a:rPr lang="en-US" altLang="ko-KR" sz="1000" dirty="0"/>
                         <a:t>()</a:t>
                       </a:r>
                     </a:p>
                     <a:p>
                       <a:pPr algn="ctr" latinLnBrk="1"/>
                       <a:r>
-                        <a:rPr lang="ko-KR" altLang="en-US" sz="1000" dirty="0" smtClean="0"/>
-                        <a:t>시간 입력</a:t>
-                      </a:r>
-                      <a:r>
-                        <a:rPr lang="en-US" altLang="ko-KR" sz="1000" dirty="0" smtClean="0"/>
+                        <a:rPr lang="ko-KR" altLang="en-US" sz="1000" dirty="0"/>
+                        <a:t>학년 입력</a:t>
+                      </a:r>
+                      <a:r>
+                        <a:rPr lang="en-US" altLang="ko-KR" sz="1000" dirty="0"/>
                         <a:t>()</a:t>
                       </a:r>
                     </a:p>
                     <a:p>
                       <a:pPr algn="ctr" latinLnBrk="1"/>
                       <a:r>
-                        <a:rPr lang="ko-KR" altLang="en-US" sz="1000" dirty="0" smtClean="0"/>
-                        <a:t>수강연도 입력</a:t>
-                      </a:r>
-                      <a:r>
-                        <a:rPr lang="en-US" altLang="ko-KR" sz="1000" dirty="0" smtClean="0"/>
+                        <a:rPr lang="ko-KR" altLang="en-US" sz="1000" dirty="0"/>
+                        <a:t>학기 입력</a:t>
+                      </a:r>
+                      <a:r>
+                        <a:rPr lang="en-US" altLang="ko-KR" sz="1000" dirty="0"/>
                         <a:t>()</a:t>
                       </a:r>
-                    </a:p>
-                    <a:p>
-                      <a:pPr algn="ctr" latinLnBrk="1"/>
-                      <a:r>
-                        <a:rPr lang="ko-KR" altLang="en-US" sz="1000" dirty="0" smtClean="0"/>
-                        <a:t>학기 입력</a:t>
-                      </a:r>
-                      <a:r>
-                        <a:rPr lang="en-US" altLang="ko-KR" sz="1000" dirty="0" smtClean="0"/>
-                        <a:t>()</a:t>
-                      </a:r>
-                    </a:p>
-                    <a:p>
-                      <a:pPr algn="ctr" latinLnBrk="1"/>
-                      <a:r>
-                        <a:rPr lang="ko-KR" altLang="en-US" sz="1000" dirty="0" smtClean="0"/>
-                        <a:t>과목 등록</a:t>
-                      </a:r>
-                      <a:r>
-                        <a:rPr lang="en-US" altLang="ko-KR" sz="1000" dirty="0" smtClean="0"/>
-                        <a:t>()</a:t>
-                      </a:r>
-                      <a:endParaRPr lang="ko-KR" altLang="en-US" sz="1000" dirty="0"/>
                     </a:p>
                   </a:txBody>
                   <a:tcPr/>
                 </a:tc>
+                <a:extLst>
+                  <a:ext uri="{0D108BD9-81ED-4DB2-BD59-A6C34878D82A}">
+                    <a16:rowId xmlns:a16="http://schemas.microsoft.com/office/drawing/2014/main" val="10002"/>
+                  </a:ext>
+                </a:extLst>
               </a:tr>
             </a:tbl>
           </a:graphicData>
@@ -5163,14 +5418,14 @@
           <p:nvPr>
             <p:extLst>
               <p:ext uri="{D42A27DB-BD31-4B8C-83A1-F6EECF244321}">
-                <p14:modId xmlns:p14="http://schemas.microsoft.com/office/powerpoint/2010/main" val="450537837"/>
+                <p14:modId xmlns:p14="http://schemas.microsoft.com/office/powerpoint/2010/main" val="1456312765"/>
               </p:ext>
             </p:extLst>
           </p:nvPr>
         </p:nvGraphicFramePr>
         <p:xfrm>
           <a:off x="4199260" y="3626728"/>
-          <a:ext cx="1584176" cy="2399282"/>
+          <a:ext cx="1584176" cy="2345104"/>
         </p:xfrm>
         <a:graphic>
           <a:graphicData uri="http://schemas.openxmlformats.org/drawingml/2006/table">
@@ -5179,7 +5434,13 @@
                 <a:tableStyleId>{5C22544A-7EE6-4342-B048-85BDC9FD1C3A}</a:tableStyleId>
               </a:tblPr>
               <a:tblGrid>
-                <a:gridCol w="1584176"/>
+                <a:gridCol w="1584176">
+                  <a:extLst>
+                    <a:ext uri="{9D8B030D-6E8A-4147-A177-3AD203B41FA5}">
+                      <a16:colId xmlns:a16="http://schemas.microsoft.com/office/drawing/2014/main" val="20000"/>
+                    </a:ext>
+                  </a:extLst>
+                </a:gridCol>
               </a:tblGrid>
               <a:tr h="296886">
                 <a:tc>
@@ -5189,15 +5450,15 @@
                     <a:p>
                       <a:pPr algn="ctr" latinLnBrk="1"/>
                       <a:r>
-                        <a:rPr lang="en-US" altLang="ko-KR" sz="1200" dirty="0" smtClean="0"/>
+                        <a:rPr lang="en-US" altLang="ko-KR" sz="1200" dirty="0"/>
                         <a:t>To</a:t>
                       </a:r>
                       <a:r>
-                        <a:rPr lang="en-US" altLang="ko-KR" sz="1200" baseline="0" dirty="0" smtClean="0"/>
-                        <a:t> do list </a:t>
-                      </a:r>
-                      <a:r>
-                        <a:rPr lang="ko-KR" altLang="en-US" sz="1200" baseline="0" dirty="0" smtClean="0"/>
+                        <a:rPr lang="en-US" altLang="ko-KR" sz="1200" baseline="0" dirty="0"/>
+                        <a:t> do list= </a:t>
+                      </a:r>
+                      <a:r>
+                        <a:rPr lang="ko-KR" altLang="en-US" sz="1200" baseline="0" dirty="0"/>
                         <a:t>등록</a:t>
                       </a:r>
                       <a:endParaRPr lang="ko-KR" altLang="en-US" sz="1200" dirty="0"/>
@@ -5205,6 +5466,11 @@
                   </a:txBody>
                   <a:tcPr/>
                 </a:tc>
+                <a:extLst>
+                  <a:ext uri="{0D108BD9-81ED-4DB2-BD59-A6C34878D82A}">
+                    <a16:rowId xmlns:a16="http://schemas.microsoft.com/office/drawing/2014/main" val="10000"/>
+                  </a:ext>
+                </a:extLst>
               </a:tr>
               <a:tr h="1096556">
                 <a:tc>
@@ -5214,73 +5480,64 @@
                     <a:p>
                       <a:pPr algn="ctr" latinLnBrk="1"/>
                       <a:r>
-                        <a:rPr lang="ko-KR" altLang="en-US" sz="1000" dirty="0" smtClean="0"/>
-                        <a:t>항목명 </a:t>
-                      </a:r>
-                      <a:r>
-                        <a:rPr lang="en-US" altLang="ko-KR" sz="1000" dirty="0" smtClean="0"/>
+                        <a:rPr lang="ko-KR" altLang="en-US" sz="1000" dirty="0"/>
+                        <a:t>마감예정일 </a:t>
+                      </a:r>
+                      <a:r>
+                        <a:rPr lang="en-US" altLang="ko-KR" sz="1000" dirty="0"/>
                         <a:t>Text field</a:t>
                       </a:r>
                     </a:p>
                     <a:p>
                       <a:pPr algn="ctr" latinLnBrk="1"/>
                       <a:r>
-                        <a:rPr lang="ko-KR" altLang="en-US" sz="1000" dirty="0" smtClean="0"/>
-                        <a:t>마감기한 </a:t>
-                      </a:r>
-                      <a:r>
-                        <a:rPr lang="en-US" altLang="ko-KR" sz="1000" dirty="0" smtClean="0"/>
+                        <a:rPr lang="ko-KR" altLang="en-US" sz="1000" dirty="0"/>
+                        <a:t>실제 마감일 </a:t>
+                      </a:r>
+                      <a:r>
+                        <a:rPr lang="en-US" altLang="ko-KR" sz="1000" dirty="0"/>
                         <a:t>Text field</a:t>
                       </a:r>
                     </a:p>
                     <a:p>
                       <a:pPr algn="ctr" latinLnBrk="1"/>
                       <a:r>
-                        <a:rPr lang="ko-KR" altLang="en-US" sz="1000" dirty="0" smtClean="0"/>
-                        <a:t>실제 마감일 </a:t>
-                      </a:r>
-                      <a:r>
-                        <a:rPr lang="en-US" altLang="ko-KR" sz="1000" dirty="0" smtClean="0"/>
+                        <a:rPr lang="ko-KR" altLang="en-US" sz="1000" dirty="0"/>
+                        <a:t>완료여부 </a:t>
+                      </a:r>
+                      <a:r>
+                        <a:rPr lang="en-US" altLang="ko-KR" sz="1000" dirty="0"/>
                         <a:t>Text field</a:t>
                       </a:r>
-                    </a:p>
-                    <a:p>
-                      <a:pPr algn="ctr" latinLnBrk="1"/>
-                      <a:r>
-                        <a:rPr lang="ko-KR" altLang="en-US" sz="1000" dirty="0" smtClean="0"/>
-                        <a:t>완료여부 </a:t>
-                      </a:r>
-                      <a:r>
-                        <a:rPr lang="en-US" altLang="ko-KR" sz="1000" dirty="0" smtClean="0"/>
-                        <a:t>Text</a:t>
-                      </a:r>
-                      <a:r>
-                        <a:rPr lang="en-US" altLang="ko-KR" sz="1000" baseline="0" dirty="0" smtClean="0"/>
-                        <a:t> field</a:t>
-                      </a:r>
-                    </a:p>
-                    <a:p>
-                      <a:pPr algn="ctr" latinLnBrk="1"/>
-                      <a:r>
-                        <a:rPr lang="ko-KR" altLang="en-US" sz="1000" baseline="0" dirty="0" smtClean="0"/>
-                        <a:t>중요도 </a:t>
-                      </a:r>
-                      <a:r>
-                        <a:rPr lang="en-US" altLang="ko-KR" sz="1000" baseline="0" dirty="0" smtClean="0"/>
-                        <a:t>combo box</a:t>
-                      </a:r>
-                    </a:p>
-                    <a:p>
-                      <a:pPr algn="ctr" latinLnBrk="1"/>
-                      <a:r>
-                        <a:rPr lang="ko-KR" altLang="en-US" sz="1000" baseline="0" dirty="0" smtClean="0"/>
+                      <a:endParaRPr lang="en-US" altLang="ko-KR" sz="1000" baseline="0" dirty="0"/>
+                    </a:p>
+                    <a:p>
+                      <a:pPr algn="ctr" latinLnBrk="1"/>
+                      <a:r>
+                        <a:rPr lang="ko-KR" altLang="en-US" sz="1000" baseline="0" dirty="0"/>
+                        <a:t>내용 </a:t>
+                      </a:r>
+                      <a:r>
+                        <a:rPr lang="en-US" altLang="ko-KR" sz="1000" baseline="0" dirty="0"/>
+                        <a:t>Text field</a:t>
+                      </a:r>
+                    </a:p>
+                    <a:p>
+                      <a:pPr algn="ctr" latinLnBrk="1"/>
+                      <a:r>
+                        <a:rPr lang="ko-KR" altLang="en-US" sz="1000" baseline="0" dirty="0"/>
                         <a:t>등록 버튼</a:t>
                       </a:r>
-                      <a:endParaRPr lang="en-US" altLang="ko-KR" sz="1000" dirty="0" smtClean="0"/>
+                      <a:endParaRPr lang="en-US" altLang="ko-KR" sz="1000" dirty="0"/>
                     </a:p>
                   </a:txBody>
                   <a:tcPr/>
                 </a:tc>
+                <a:extLst>
+                  <a:ext uri="{0D108BD9-81ED-4DB2-BD59-A6C34878D82A}">
+                    <a16:rowId xmlns:a16="http://schemas.microsoft.com/office/drawing/2014/main" val="10001"/>
+                  </a:ext>
+                </a:extLst>
               </a:tr>
               <a:tr h="951662">
                 <a:tc>
@@ -5290,74 +5547,63 @@
                     <a:p>
                       <a:pPr algn="ctr" latinLnBrk="1"/>
                       <a:r>
-                        <a:rPr lang="ko-KR" altLang="en-US" sz="1000" dirty="0" smtClean="0"/>
-                        <a:t>항목명 입력</a:t>
-                      </a:r>
-                      <a:r>
-                        <a:rPr lang="en-US" altLang="ko-KR" sz="1000" dirty="0" smtClean="0"/>
+                        <a:rPr lang="ko-KR" altLang="en-US" sz="1000" dirty="0"/>
+                        <a:t>마감예정일 입력</a:t>
+                      </a:r>
+                      <a:r>
+                        <a:rPr lang="en-US" altLang="ko-KR" sz="1000" dirty="0"/>
                         <a:t>()</a:t>
                       </a:r>
                     </a:p>
                     <a:p>
                       <a:pPr algn="ctr" latinLnBrk="1"/>
                       <a:r>
-                        <a:rPr lang="ko-KR" altLang="en-US" sz="1000" dirty="0" smtClean="0"/>
-                        <a:t>마감기한 입력</a:t>
-                      </a:r>
-                      <a:r>
-                        <a:rPr lang="en-US" altLang="ko-KR" sz="1000" dirty="0" smtClean="0"/>
+                        <a:rPr lang="ko-KR" altLang="en-US" sz="1000" dirty="0"/>
+                        <a:t>실제마감일 입력</a:t>
+                      </a:r>
+                      <a:r>
+                        <a:rPr lang="en-US" altLang="ko-KR" sz="1000" dirty="0"/>
                         <a:t>()</a:t>
                       </a:r>
                     </a:p>
                     <a:p>
                       <a:pPr algn="ctr" latinLnBrk="1"/>
                       <a:r>
-                        <a:rPr lang="ko-KR" altLang="en-US" sz="1000" dirty="0" smtClean="0"/>
-                        <a:t>실제 마감일 입력</a:t>
-                      </a:r>
-                      <a:r>
-                        <a:rPr lang="en-US" altLang="ko-KR" sz="1000" dirty="0" smtClean="0"/>
+                        <a:rPr lang="ko-KR" altLang="en-US" sz="1000" dirty="0"/>
+                        <a:t>완료여부 입력</a:t>
+                      </a:r>
+                      <a:r>
+                        <a:rPr lang="en-US" altLang="ko-KR" sz="1000" dirty="0"/>
                         <a:t>()</a:t>
                       </a:r>
                     </a:p>
                     <a:p>
                       <a:pPr algn="ctr" latinLnBrk="1"/>
                       <a:r>
-                        <a:rPr lang="ko-KR" altLang="en-US" sz="1000" dirty="0" smtClean="0"/>
-                        <a:t>완료 여부 입력</a:t>
-                      </a:r>
-                      <a:r>
-                        <a:rPr lang="en-US" altLang="ko-KR" sz="1000" dirty="0" smtClean="0"/>
+                        <a:rPr lang="ko-KR" altLang="en-US" sz="1000" dirty="0"/>
+                        <a:t>내용 입력</a:t>
+                      </a:r>
+                      <a:r>
+                        <a:rPr lang="en-US" altLang="ko-KR" sz="1000" dirty="0"/>
                         <a:t>()</a:t>
                       </a:r>
                     </a:p>
                     <a:p>
                       <a:pPr algn="ctr" latinLnBrk="1"/>
                       <a:r>
-                        <a:rPr lang="ko-KR" altLang="en-US" sz="1000" dirty="0" smtClean="0"/>
-                        <a:t>중요도 선택</a:t>
-                      </a:r>
-                      <a:r>
-                        <a:rPr lang="en-US" altLang="ko-KR" sz="1000" dirty="0" smtClean="0"/>
-                        <a:t>()</a:t>
-                      </a:r>
-                    </a:p>
-                    <a:p>
-                      <a:pPr algn="ctr" latinLnBrk="1"/>
-                      <a:r>
-                        <a:rPr lang="en-US" altLang="ko-KR" sz="1000" dirty="0" smtClean="0"/>
+                        <a:rPr lang="en-US" altLang="ko-KR" sz="1000" dirty="0"/>
                         <a:t>To</a:t>
                       </a:r>
                       <a:r>
-                        <a:rPr lang="en-US" altLang="ko-KR" sz="1000" baseline="0" dirty="0" smtClean="0"/>
+                        <a:rPr lang="en-US" altLang="ko-KR" sz="1000" baseline="0" dirty="0"/>
                         <a:t> do list </a:t>
                       </a:r>
                       <a:r>
-                        <a:rPr lang="ko-KR" altLang="en-US" sz="1000" baseline="0" dirty="0" smtClean="0"/>
+                        <a:rPr lang="ko-KR" altLang="en-US" sz="1000" baseline="0" dirty="0"/>
                         <a:t>등록</a:t>
                       </a:r>
                       <a:r>
-                        <a:rPr lang="en-US" altLang="ko-KR" sz="1000" baseline="0" dirty="0" smtClean="0"/>
+                        <a:rPr lang="en-US" altLang="ko-KR" sz="1000" baseline="0" dirty="0"/>
                         <a:t>()</a:t>
                       </a:r>
                       <a:endParaRPr lang="ko-KR" altLang="en-US" sz="1000" dirty="0"/>
@@ -5365,6 +5611,11 @@
                   </a:txBody>
                   <a:tcPr/>
                 </a:tc>
+                <a:extLst>
+                  <a:ext uri="{0D108BD9-81ED-4DB2-BD59-A6C34878D82A}">
+                    <a16:rowId xmlns:a16="http://schemas.microsoft.com/office/drawing/2014/main" val="10002"/>
+                  </a:ext>
+                </a:extLst>
               </a:tr>
             </a:tbl>
           </a:graphicData>
@@ -5395,7 +5646,13 @@
                 <a:tableStyleId>{5C22544A-7EE6-4342-B048-85BDC9FD1C3A}</a:tableStyleId>
               </a:tblPr>
               <a:tblGrid>
-                <a:gridCol w="1440160"/>
+                <a:gridCol w="1440160">
+                  <a:extLst>
+                    <a:ext uri="{9D8B030D-6E8A-4147-A177-3AD203B41FA5}">
+                      <a16:colId xmlns:a16="http://schemas.microsoft.com/office/drawing/2014/main" val="20000"/>
+                    </a:ext>
+                  </a:extLst>
+                </a:gridCol>
               </a:tblGrid>
               <a:tr h="288399">
                 <a:tc>
@@ -5405,11 +5662,11 @@
                     <a:p>
                       <a:pPr algn="ctr" latinLnBrk="1"/>
                       <a:r>
-                        <a:rPr lang="ko-KR" altLang="en-US" sz="1000" dirty="0" smtClean="0"/>
+                        <a:rPr lang="ko-KR" altLang="en-US" sz="1000" dirty="0"/>
                         <a:t>과목 </a:t>
                       </a:r>
                       <a:r>
-                        <a:rPr lang="en-US" altLang="ko-KR" sz="1000" dirty="0" smtClean="0"/>
+                        <a:rPr lang="en-US" altLang="ko-KR" sz="1000" dirty="0"/>
                         <a:t>Modify</a:t>
                       </a:r>
                       <a:endParaRPr lang="ko-KR" altLang="en-US" sz="1000" dirty="0"/>
@@ -5417,6 +5674,11 @@
                   </a:txBody>
                   <a:tcPr/>
                 </a:tc>
+                <a:extLst>
+                  <a:ext uri="{0D108BD9-81ED-4DB2-BD59-A6C34878D82A}">
+                    <a16:rowId xmlns:a16="http://schemas.microsoft.com/office/drawing/2014/main" val="10000"/>
+                  </a:ext>
+                </a:extLst>
               </a:tr>
               <a:tr h="1274103">
                 <a:tc>
@@ -5426,85 +5688,85 @@
                     <a:p>
                       <a:pPr algn="ctr" latinLnBrk="1"/>
                       <a:r>
-                        <a:rPr lang="ko-KR" altLang="en-US" sz="1000" dirty="0" smtClean="0"/>
+                        <a:rPr lang="ko-KR" altLang="en-US" sz="1000" dirty="0"/>
                         <a:t>과목명 </a:t>
                       </a:r>
                       <a:r>
-                        <a:rPr lang="en-US" altLang="ko-KR" sz="1000" dirty="0" smtClean="0"/>
+                        <a:rPr lang="en-US" altLang="ko-KR" sz="1000" dirty="0"/>
                         <a:t>Text field</a:t>
                       </a:r>
                     </a:p>
                     <a:p>
                       <a:pPr algn="ctr" latinLnBrk="1"/>
                       <a:r>
-                        <a:rPr lang="ko-KR" altLang="en-US" sz="1000" dirty="0" smtClean="0"/>
+                        <a:rPr lang="ko-KR" altLang="en-US" sz="1000" dirty="0"/>
                         <a:t>담당교수 </a:t>
                       </a:r>
                       <a:r>
-                        <a:rPr lang="en-US" altLang="ko-KR" sz="1000" dirty="0" smtClean="0"/>
+                        <a:rPr lang="en-US" altLang="ko-KR" sz="1000" dirty="0"/>
                         <a:t>Text</a:t>
                       </a:r>
                       <a:r>
-                        <a:rPr lang="en-US" altLang="ko-KR" sz="1000" baseline="0" dirty="0" smtClean="0"/>
+                        <a:rPr lang="en-US" altLang="ko-KR" sz="1000" baseline="0" dirty="0"/>
                         <a:t> field</a:t>
                       </a:r>
                     </a:p>
                     <a:p>
                       <a:pPr algn="ctr" latinLnBrk="1"/>
                       <a:r>
-                        <a:rPr lang="ko-KR" altLang="en-US" sz="1000" dirty="0" smtClean="0"/>
+                        <a:rPr lang="ko-KR" altLang="en-US" sz="1000" dirty="0"/>
                         <a:t>강의요일</a:t>
                       </a:r>
                       <a:r>
-                        <a:rPr lang="en-US" altLang="ko-KR" sz="1000" baseline="0" dirty="0" smtClean="0"/>
+                        <a:rPr lang="en-US" altLang="ko-KR" sz="1000" baseline="0" dirty="0"/>
                         <a:t> Text field</a:t>
                       </a:r>
                     </a:p>
                     <a:p>
                       <a:pPr algn="ctr" latinLnBrk="1"/>
                       <a:r>
-                        <a:rPr lang="ko-KR" altLang="en-US" sz="1000" baseline="0" dirty="0" smtClean="0"/>
+                        <a:rPr lang="ko-KR" altLang="en-US" sz="1000" baseline="0" dirty="0"/>
                         <a:t>시간 </a:t>
                       </a:r>
                       <a:r>
-                        <a:rPr lang="en-US" altLang="ko-KR" sz="1000" baseline="0" dirty="0" smtClean="0"/>
+                        <a:rPr lang="en-US" altLang="ko-KR" sz="1000" baseline="0" dirty="0"/>
                         <a:t>Text field</a:t>
                       </a:r>
                     </a:p>
                     <a:p>
                       <a:pPr algn="ctr" latinLnBrk="1"/>
                       <a:r>
-                        <a:rPr lang="ko-KR" altLang="en-US" sz="1000" dirty="0" smtClean="0"/>
+                        <a:rPr lang="ko-KR" altLang="en-US" sz="1000" dirty="0"/>
                         <a:t>수강연도</a:t>
                       </a:r>
                       <a:r>
-                        <a:rPr lang="en-US" altLang="ko-KR" sz="1000" baseline="0" dirty="0" smtClean="0"/>
+                        <a:rPr lang="en-US" altLang="ko-KR" sz="1000" baseline="0" dirty="0"/>
                         <a:t> Text field</a:t>
                       </a:r>
                     </a:p>
                     <a:p>
                       <a:pPr algn="ctr" latinLnBrk="1"/>
                       <a:r>
-                        <a:rPr lang="ko-KR" altLang="en-US" sz="1000" baseline="0" dirty="0" smtClean="0"/>
+                        <a:rPr lang="ko-KR" altLang="en-US" sz="1000" baseline="0" dirty="0"/>
                         <a:t>학기 </a:t>
                       </a:r>
                       <a:r>
-                        <a:rPr lang="en-US" altLang="ko-KR" sz="1000" baseline="0" dirty="0" smtClean="0"/>
+                        <a:rPr lang="en-US" altLang="ko-KR" sz="1000" baseline="0" dirty="0"/>
                         <a:t>Text field</a:t>
                       </a:r>
                     </a:p>
                     <a:p>
                       <a:pPr algn="ctr" latinLnBrk="1"/>
                       <a:r>
-                        <a:rPr lang="ko-KR" altLang="en-US" sz="1000" baseline="0" dirty="0" smtClean="0"/>
+                        <a:rPr lang="ko-KR" altLang="en-US" sz="1000" baseline="0" dirty="0"/>
                         <a:t>수정 버튼</a:t>
                       </a:r>
-                      <a:endParaRPr lang="en-US" altLang="ko-KR" sz="1000" baseline="0" dirty="0" smtClean="0"/>
-                    </a:p>
-                    <a:p>
-                      <a:pPr algn="ctr" latinLnBrk="1"/>
-                      <a:r>
-                        <a:rPr lang="ko-KR" altLang="en-US" sz="1000" baseline="0" dirty="0" smtClean="0"/>
+                      <a:endParaRPr lang="en-US" altLang="ko-KR" sz="1000" baseline="0" dirty="0"/>
+                    </a:p>
+                    <a:p>
+                      <a:pPr algn="ctr" latinLnBrk="1"/>
+                      <a:r>
+                        <a:rPr lang="ko-KR" altLang="en-US" sz="1000" baseline="0" dirty="0"/>
                         <a:t>취소 버튼</a:t>
                       </a:r>
                       <a:endParaRPr lang="ko-KR" altLang="en-US" sz="1000" dirty="0"/>
@@ -5512,6 +5774,11 @@
                   </a:txBody>
                   <a:tcPr/>
                 </a:tc>
+                <a:extLst>
+                  <a:ext uri="{0D108BD9-81ED-4DB2-BD59-A6C34878D82A}">
+                    <a16:rowId xmlns:a16="http://schemas.microsoft.com/office/drawing/2014/main" val="10001"/>
+                  </a:ext>
+                </a:extLst>
               </a:tr>
               <a:tr h="776286">
                 <a:tc>
@@ -5521,50 +5788,55 @@
                     <a:p>
                       <a:pPr algn="ctr" latinLnBrk="1"/>
                       <a:r>
-                        <a:rPr lang="ko-KR" altLang="en-US" sz="1000" dirty="0" smtClean="0"/>
+                        <a:rPr lang="ko-KR" altLang="en-US" sz="1000" dirty="0"/>
                         <a:t>과목 등록 정보 호출</a:t>
                       </a:r>
                       <a:r>
-                        <a:rPr lang="en-US" altLang="ko-KR" sz="1000" dirty="0" smtClean="0"/>
+                        <a:rPr lang="en-US" altLang="ko-KR" sz="1000" dirty="0"/>
                         <a:t>()</a:t>
                       </a:r>
                     </a:p>
                     <a:p>
                       <a:pPr algn="ctr" latinLnBrk="1"/>
                       <a:r>
-                        <a:rPr lang="ko-KR" altLang="en-US" sz="1000" dirty="0" smtClean="0"/>
+                        <a:rPr lang="ko-KR" altLang="en-US" sz="1000" dirty="0"/>
                         <a:t>과목 등록 정보 수정</a:t>
                       </a:r>
                       <a:r>
-                        <a:rPr lang="en-US" altLang="ko-KR" sz="1000" dirty="0" smtClean="0"/>
+                        <a:rPr lang="en-US" altLang="ko-KR" sz="1000" dirty="0"/>
                         <a:t>()</a:t>
                       </a:r>
                     </a:p>
                     <a:p>
                       <a:pPr algn="ctr" latinLnBrk="1"/>
                       <a:r>
-                        <a:rPr lang="ko-KR" altLang="en-US" sz="1000" dirty="0" smtClean="0"/>
+                        <a:rPr lang="ko-KR" altLang="en-US" sz="1000" dirty="0"/>
                         <a:t>과목 등록 정보 저장</a:t>
                       </a:r>
                       <a:r>
-                        <a:rPr lang="en-US" altLang="ko-KR" sz="1000" dirty="0" smtClean="0"/>
+                        <a:rPr lang="en-US" altLang="ko-KR" sz="1000" dirty="0"/>
                         <a:t>()</a:t>
                       </a:r>
                     </a:p>
                     <a:p>
                       <a:pPr algn="ctr" latinLnBrk="1"/>
                       <a:r>
-                        <a:rPr lang="ko-KR" altLang="en-US" sz="1000" dirty="0" smtClean="0"/>
+                        <a:rPr lang="ko-KR" altLang="en-US" sz="1000" dirty="0"/>
                         <a:t>취소</a:t>
                       </a:r>
                       <a:r>
-                        <a:rPr lang="en-US" altLang="ko-KR" sz="1000" dirty="0" smtClean="0"/>
+                        <a:rPr lang="en-US" altLang="ko-KR" sz="1000" dirty="0"/>
                         <a:t>()</a:t>
                       </a:r>
                     </a:p>
                   </a:txBody>
                   <a:tcPr/>
                 </a:tc>
+                <a:extLst>
+                  <a:ext uri="{0D108BD9-81ED-4DB2-BD59-A6C34878D82A}">
+                    <a16:rowId xmlns:a16="http://schemas.microsoft.com/office/drawing/2014/main" val="10002"/>
+                  </a:ext>
+                </a:extLst>
               </a:tr>
             </a:tbl>
           </a:graphicData>
@@ -5579,14 +5851,14 @@
           <p:nvPr>
             <p:extLst>
               <p:ext uri="{D42A27DB-BD31-4B8C-83A1-F6EECF244321}">
-                <p14:modId xmlns:p14="http://schemas.microsoft.com/office/powerpoint/2010/main" val="152316226"/>
+                <p14:modId xmlns:p14="http://schemas.microsoft.com/office/powerpoint/2010/main" val="3298233865"/>
               </p:ext>
             </p:extLst>
           </p:nvPr>
         </p:nvGraphicFramePr>
         <p:xfrm>
           <a:off x="6303045" y="926124"/>
-          <a:ext cx="1440160" cy="2308971"/>
+          <a:ext cx="1488016" cy="2160240"/>
         </p:xfrm>
         <a:graphic>
           <a:graphicData uri="http://schemas.openxmlformats.org/drawingml/2006/table">
@@ -5595,7 +5867,13 @@
                 <a:tableStyleId>{5C22544A-7EE6-4342-B048-85BDC9FD1C3A}</a:tableStyleId>
               </a:tblPr>
               <a:tblGrid>
-                <a:gridCol w="1440160"/>
+                <a:gridCol w="1488016">
+                  <a:extLst>
+                    <a:ext uri="{9D8B030D-6E8A-4147-A177-3AD203B41FA5}">
+                      <a16:colId xmlns:a16="http://schemas.microsoft.com/office/drawing/2014/main" val="20000"/>
+                    </a:ext>
+                  </a:extLst>
+                </a:gridCol>
               </a:tblGrid>
               <a:tr h="297291">
                 <a:tc>
@@ -5605,11 +5883,11 @@
                     <a:p>
                       <a:pPr algn="ctr" latinLnBrk="1"/>
                       <a:r>
-                        <a:rPr lang="en-US" altLang="ko-KR" sz="1000" dirty="0" smtClean="0"/>
+                        <a:rPr lang="en-US" altLang="ko-KR" sz="1000" dirty="0"/>
                         <a:t>To</a:t>
                       </a:r>
                       <a:r>
-                        <a:rPr lang="en-US" altLang="ko-KR" sz="1000" baseline="0" dirty="0" smtClean="0"/>
+                        <a:rPr lang="en-US" altLang="ko-KR" sz="1000" baseline="0" dirty="0"/>
                         <a:t> do list Modify</a:t>
                       </a:r>
                       <a:endParaRPr lang="ko-KR" altLang="en-US" sz="1000" dirty="0"/>
@@ -5617,6 +5895,11 @@
                   </a:txBody>
                   <a:tcPr/>
                 </a:tc>
+                <a:extLst>
+                  <a:ext uri="{0D108BD9-81ED-4DB2-BD59-A6C34878D82A}">
+                    <a16:rowId xmlns:a16="http://schemas.microsoft.com/office/drawing/2014/main" val="10000"/>
+                  </a:ext>
+                </a:extLst>
               </a:tr>
               <a:tr h="1164343">
                 <a:tc>
@@ -5626,81 +5909,75 @@
                     <a:p>
                       <a:pPr algn="ctr" latinLnBrk="1"/>
                       <a:r>
-                        <a:rPr lang="ko-KR" altLang="en-US" sz="1000" dirty="0" smtClean="0"/>
-                        <a:t>항목명 </a:t>
-                      </a:r>
-                      <a:r>
-                        <a:rPr lang="en-US" altLang="ko-KR" sz="1000" dirty="0" smtClean="0"/>
+                        <a:rPr lang="ko-KR" altLang="en-US" sz="1000" dirty="0"/>
+                        <a:t>내용 </a:t>
+                      </a:r>
+                      <a:r>
+                        <a:rPr lang="en-US" altLang="ko-KR" sz="1000" dirty="0"/>
                         <a:t>Text field</a:t>
                       </a:r>
                     </a:p>
                     <a:p>
                       <a:pPr algn="ctr" latinLnBrk="1"/>
                       <a:r>
-                        <a:rPr lang="ko-KR" altLang="en-US" sz="1000" dirty="0" smtClean="0"/>
+                        <a:rPr lang="ko-KR" altLang="en-US" sz="1000" dirty="0"/>
                         <a:t>마감기한 </a:t>
                       </a:r>
                       <a:r>
-                        <a:rPr lang="en-US" altLang="ko-KR" sz="1000" dirty="0" smtClean="0"/>
+                        <a:rPr lang="en-US" altLang="ko-KR" sz="1000" dirty="0"/>
                         <a:t>Text field</a:t>
                       </a:r>
                     </a:p>
                     <a:p>
                       <a:pPr algn="ctr" latinLnBrk="1"/>
                       <a:r>
-                        <a:rPr lang="ko-KR" altLang="en-US" sz="1000" dirty="0" smtClean="0"/>
+                        <a:rPr lang="ko-KR" altLang="en-US" sz="1000" dirty="0"/>
                         <a:t>실제 마감일 </a:t>
                       </a:r>
                       <a:r>
-                        <a:rPr lang="en-US" altLang="ko-KR" sz="1000" dirty="0" smtClean="0"/>
+                        <a:rPr lang="en-US" altLang="ko-KR" sz="1000" dirty="0"/>
                         <a:t>Text field</a:t>
                       </a:r>
                     </a:p>
                     <a:p>
                       <a:pPr algn="ctr" latinLnBrk="1"/>
                       <a:r>
-                        <a:rPr lang="ko-KR" altLang="en-US" sz="1000" dirty="0" smtClean="0"/>
+                        <a:rPr lang="ko-KR" altLang="en-US" sz="1000" dirty="0"/>
                         <a:t>완료여부 </a:t>
                       </a:r>
                       <a:r>
-                        <a:rPr lang="en-US" altLang="ko-KR" sz="1000" dirty="0" smtClean="0"/>
+                        <a:rPr lang="en-US" altLang="ko-KR" sz="1000" dirty="0"/>
                         <a:t>Text</a:t>
                       </a:r>
                       <a:r>
-                        <a:rPr lang="en-US" altLang="ko-KR" sz="1000" baseline="0" dirty="0" smtClean="0"/>
+                        <a:rPr lang="en-US" altLang="ko-KR" sz="1000" baseline="0" dirty="0"/>
                         <a:t> field</a:t>
                       </a:r>
                     </a:p>
                     <a:p>
                       <a:pPr algn="ctr" latinLnBrk="1"/>
                       <a:r>
-                        <a:rPr lang="ko-KR" altLang="en-US" sz="1000" baseline="0" dirty="0" smtClean="0"/>
-                        <a:t>중요도 </a:t>
-                      </a:r>
-                      <a:r>
-                        <a:rPr lang="en-US" altLang="ko-KR" sz="1000" baseline="0" dirty="0" smtClean="0"/>
-                        <a:t>combo box</a:t>
-                      </a:r>
-                    </a:p>
-                    <a:p>
-                      <a:pPr algn="ctr" latinLnBrk="1"/>
-                      <a:r>
-                        <a:rPr lang="ko-KR" altLang="en-US" sz="1000" baseline="0" dirty="0" smtClean="0"/>
+                        <a:rPr lang="ko-KR" altLang="en-US" sz="1000" baseline="0" dirty="0"/>
+                        <a:t>중요도 버튼</a:t>
+                      </a:r>
+                      <a:endParaRPr lang="en-US" altLang="ko-KR" sz="1000" baseline="0" dirty="0"/>
+                    </a:p>
+                    <a:p>
+                      <a:pPr algn="ctr" latinLnBrk="1"/>
+                      <a:r>
+                        <a:rPr lang="ko-KR" altLang="en-US" sz="1000" baseline="0" dirty="0"/>
                         <a:t>수정 버튼</a:t>
                       </a:r>
-                      <a:endParaRPr lang="en-US" altLang="ko-KR" sz="1000" baseline="0" dirty="0" smtClean="0"/>
-                    </a:p>
-                    <a:p>
-                      <a:pPr algn="ctr" latinLnBrk="1"/>
-                      <a:r>
-                        <a:rPr lang="ko-KR" altLang="en-US" sz="1000" baseline="0" dirty="0" smtClean="0"/>
-                        <a:t>취소 버튼</a:t>
-                      </a:r>
-                      <a:endParaRPr lang="en-US" altLang="ko-KR" sz="1000" dirty="0" smtClean="0"/>
+                      <a:endParaRPr lang="en-US" altLang="ko-KR" sz="1000" baseline="0" dirty="0"/>
                     </a:p>
                   </a:txBody>
                   <a:tcPr/>
                 </a:tc>
+                <a:extLst>
+                  <a:ext uri="{0D108BD9-81ED-4DB2-BD59-A6C34878D82A}">
+                    <a16:rowId xmlns:a16="http://schemas.microsoft.com/office/drawing/2014/main" val="10001"/>
+                  </a:ext>
+                </a:extLst>
               </a:tr>
               <a:tr h="698606">
                 <a:tc>
@@ -5710,67 +5987,60 @@
                     <a:p>
                       <a:pPr algn="ctr" latinLnBrk="1"/>
                       <a:r>
-                        <a:rPr lang="en-US" altLang="ko-KR" sz="1000" dirty="0" smtClean="0"/>
+                        <a:rPr lang="en-US" altLang="ko-KR" sz="1000" dirty="0"/>
                         <a:t>T</a:t>
                       </a:r>
                       <a:r>
-                        <a:rPr lang="en-US" altLang="ko-KR" sz="1000" baseline="0" dirty="0" smtClean="0"/>
+                        <a:rPr lang="en-US" altLang="ko-KR" sz="1000" baseline="0" dirty="0"/>
                         <a:t>o do list </a:t>
                       </a:r>
                       <a:r>
-                        <a:rPr lang="ko-KR" altLang="en-US" sz="1000" baseline="0" dirty="0" smtClean="0"/>
+                        <a:rPr lang="ko-KR" altLang="en-US" sz="1000" baseline="0" dirty="0"/>
                         <a:t>정보 호출</a:t>
                       </a:r>
                       <a:r>
-                        <a:rPr lang="en-US" altLang="ko-KR" sz="1000" baseline="0" dirty="0" smtClean="0"/>
+                        <a:rPr lang="en-US" altLang="ko-KR" sz="1000" baseline="0" dirty="0"/>
                         <a:t>()</a:t>
                       </a:r>
                     </a:p>
                     <a:p>
                       <a:pPr algn="ctr" latinLnBrk="1"/>
                       <a:r>
-                        <a:rPr lang="en-US" altLang="ko-KR" sz="1000" baseline="0" dirty="0" smtClean="0"/>
+                        <a:rPr lang="en-US" altLang="ko-KR" sz="1000" baseline="0" dirty="0"/>
                         <a:t>To do list </a:t>
                       </a:r>
                       <a:r>
-                        <a:rPr lang="ko-KR" altLang="en-US" sz="1000" baseline="0" dirty="0" smtClean="0"/>
+                        <a:rPr lang="ko-KR" altLang="en-US" sz="1000" baseline="0" dirty="0"/>
                         <a:t>정보 수정</a:t>
                       </a:r>
                       <a:r>
-                        <a:rPr lang="en-US" altLang="ko-KR" sz="1000" baseline="0" dirty="0" smtClean="0"/>
+                        <a:rPr lang="en-US" altLang="ko-KR" sz="1000" baseline="0" dirty="0"/>
                         <a:t>()</a:t>
                       </a:r>
                     </a:p>
                     <a:p>
                       <a:pPr algn="ctr" latinLnBrk="1"/>
                       <a:r>
-                        <a:rPr lang="en-US" altLang="ko-KR" sz="1000" baseline="0" dirty="0" smtClean="0"/>
+                        <a:rPr lang="en-US" altLang="ko-KR" sz="1000" baseline="0" dirty="0"/>
                         <a:t>To do list </a:t>
                       </a:r>
                       <a:r>
-                        <a:rPr lang="ko-KR" altLang="en-US" sz="1000" baseline="0" dirty="0" smtClean="0"/>
+                        <a:rPr lang="ko-KR" altLang="en-US" sz="1000" baseline="0" dirty="0"/>
                         <a:t>정보 저장</a:t>
                       </a:r>
                       <a:r>
-                        <a:rPr lang="en-US" altLang="ko-KR" sz="1000" baseline="0" dirty="0" smtClean="0"/>
+                        <a:rPr lang="en-US" altLang="ko-KR" sz="1000" baseline="0" dirty="0"/>
                         <a:t>()</a:t>
                       </a:r>
-                    </a:p>
-                    <a:p>
-                      <a:pPr algn="ctr" latinLnBrk="1"/>
-                      <a:r>
-                        <a:rPr lang="ko-KR" altLang="en-US" sz="1000" baseline="0" dirty="0" smtClean="0"/>
-                        <a:t>취소</a:t>
-                      </a:r>
-                      <a:r>
-                        <a:rPr lang="en-US" altLang="ko-KR" sz="1000" baseline="0" dirty="0" smtClean="0"/>
-                        <a:t>()</a:t>
-                      </a:r>
-                      <a:endParaRPr lang="ko-KR" altLang="en-US" sz="1000" dirty="0"/>
                     </a:p>
                   </a:txBody>
                   <a:tcPr/>
                 </a:tc>
+                <a:extLst>
+                  <a:ext uri="{0D108BD9-81ED-4DB2-BD59-A6C34878D82A}">
+                    <a16:rowId xmlns:a16="http://schemas.microsoft.com/office/drawing/2014/main" val="10002"/>
+                  </a:ext>
+                </a:extLst>
               </a:tr>
             </a:tbl>
           </a:graphicData>
@@ -5801,7 +6071,13 @@
                 <a:tableStyleId>{5C22544A-7EE6-4342-B048-85BDC9FD1C3A}</a:tableStyleId>
               </a:tblPr>
               <a:tblGrid>
-                <a:gridCol w="1282700"/>
+                <a:gridCol w="1282700">
+                  <a:extLst>
+                    <a:ext uri="{9D8B030D-6E8A-4147-A177-3AD203B41FA5}">
+                      <a16:colId xmlns:a16="http://schemas.microsoft.com/office/drawing/2014/main" val="20000"/>
+                    </a:ext>
+                  </a:extLst>
+                </a:gridCol>
               </a:tblGrid>
               <a:tr h="295815">
                 <a:tc>
@@ -5811,7 +6087,7 @@
                     <a:p>
                       <a:pPr algn="ctr" latinLnBrk="1"/>
                       <a:r>
-                        <a:rPr lang="en-US" altLang="ko-KR" sz="1000" dirty="0" smtClean="0"/>
+                        <a:rPr lang="en-US" altLang="ko-KR" sz="1000" dirty="0"/>
                         <a:t>Array</a:t>
                       </a:r>
                       <a:endParaRPr lang="ko-KR" altLang="en-US" sz="1000" dirty="0"/>
@@ -5819,6 +6095,11 @@
                   </a:txBody>
                   <a:tcPr/>
                 </a:tc>
+                <a:extLst>
+                  <a:ext uri="{0D108BD9-81ED-4DB2-BD59-A6C34878D82A}">
+                    <a16:rowId xmlns:a16="http://schemas.microsoft.com/office/drawing/2014/main" val="10000"/>
+                  </a:ext>
+                </a:extLst>
               </a:tr>
               <a:tr h="295815">
                 <a:tc>
@@ -5828,11 +6109,11 @@
                     <a:p>
                       <a:pPr algn="ctr" latinLnBrk="1"/>
                       <a:r>
-                        <a:rPr lang="ko-KR" altLang="en-US" sz="1000" dirty="0" smtClean="0"/>
+                        <a:rPr lang="ko-KR" altLang="en-US" sz="1000" dirty="0"/>
                         <a:t>정렬 버튼</a:t>
                       </a:r>
                       <a:r>
-                        <a:rPr lang="en-US" altLang="ko-KR" sz="1000" dirty="0" smtClean="0"/>
+                        <a:rPr lang="en-US" altLang="ko-KR" sz="1000" dirty="0"/>
                         <a:t>()</a:t>
                       </a:r>
                       <a:endParaRPr lang="ko-KR" altLang="en-US" sz="1000" dirty="0"/>
@@ -5840,6 +6121,11 @@
                   </a:txBody>
                   <a:tcPr/>
                 </a:tc>
+                <a:extLst>
+                  <a:ext uri="{0D108BD9-81ED-4DB2-BD59-A6C34878D82A}">
+                    <a16:rowId xmlns:a16="http://schemas.microsoft.com/office/drawing/2014/main" val="10001"/>
+                  </a:ext>
+                </a:extLst>
               </a:tr>
               <a:tr h="560497">
                 <a:tc>
@@ -5849,30 +6135,30 @@
                     <a:p>
                       <a:pPr algn="ctr" latinLnBrk="1"/>
                       <a:r>
-                        <a:rPr lang="ko-KR" altLang="en-US" sz="1000" dirty="0" smtClean="0"/>
+                        <a:rPr lang="ko-KR" altLang="en-US" sz="1000" dirty="0"/>
                         <a:t>과목 정렬</a:t>
                       </a:r>
                       <a:r>
-                        <a:rPr lang="en-US" altLang="ko-KR" sz="1000" dirty="0" smtClean="0"/>
+                        <a:rPr lang="en-US" altLang="ko-KR" sz="1000" dirty="0"/>
                         <a:t>()</a:t>
                       </a:r>
                     </a:p>
                     <a:p>
                       <a:pPr algn="ctr" latinLnBrk="1"/>
                       <a:r>
-                        <a:rPr lang="en-US" altLang="ko-KR" sz="1000" dirty="0" smtClean="0"/>
+                        <a:rPr lang="en-US" altLang="ko-KR" sz="1000" dirty="0"/>
                         <a:t>To</a:t>
                       </a:r>
                       <a:r>
-                        <a:rPr lang="en-US" altLang="ko-KR" sz="1000" baseline="0" dirty="0" smtClean="0"/>
+                        <a:rPr lang="en-US" altLang="ko-KR" sz="1000" baseline="0" dirty="0"/>
                         <a:t> do list  </a:t>
                       </a:r>
                       <a:r>
-                        <a:rPr lang="ko-KR" altLang="en-US" sz="1000" baseline="0" dirty="0" smtClean="0"/>
+                        <a:rPr lang="ko-KR" altLang="en-US" sz="1000" baseline="0" dirty="0"/>
                         <a:t>정렬</a:t>
                       </a:r>
                       <a:r>
-                        <a:rPr lang="en-US" altLang="ko-KR" sz="1000" baseline="0" dirty="0" smtClean="0"/>
+                        <a:rPr lang="en-US" altLang="ko-KR" sz="1000" baseline="0" dirty="0"/>
                         <a:t>()</a:t>
                       </a:r>
                       <a:endParaRPr lang="ko-KR" altLang="en-US" sz="1000" dirty="0"/>
@@ -5880,6 +6166,11 @@
                   </a:txBody>
                   <a:tcPr/>
                 </a:tc>
+                <a:extLst>
+                  <a:ext uri="{0D108BD9-81ED-4DB2-BD59-A6C34878D82A}">
+                    <a16:rowId xmlns:a16="http://schemas.microsoft.com/office/drawing/2014/main" val="10002"/>
+                  </a:ext>
+                </a:extLst>
               </a:tr>
             </a:tbl>
           </a:graphicData>
@@ -5910,7 +6201,13 @@
                 <a:tableStyleId>{5C22544A-7EE6-4342-B048-85BDC9FD1C3A}</a:tableStyleId>
               </a:tblPr>
               <a:tblGrid>
-                <a:gridCol w="1152128"/>
+                <a:gridCol w="1152128">
+                  <a:extLst>
+                    <a:ext uri="{9D8B030D-6E8A-4147-A177-3AD203B41FA5}">
+                      <a16:colId xmlns:a16="http://schemas.microsoft.com/office/drawing/2014/main" val="20000"/>
+                    </a:ext>
+                  </a:extLst>
+                </a:gridCol>
               </a:tblGrid>
               <a:tr h="296563">
                 <a:tc>
@@ -5920,7 +6217,7 @@
                     <a:p>
                       <a:pPr algn="ctr" latinLnBrk="1"/>
                       <a:r>
-                        <a:rPr lang="en-US" altLang="ko-KR" sz="1000" dirty="0" smtClean="0"/>
+                        <a:rPr lang="en-US" altLang="ko-KR" sz="1000" dirty="0"/>
                         <a:t>Delete</a:t>
                       </a:r>
                       <a:endParaRPr lang="ko-KR" altLang="en-US" sz="1000" dirty="0"/>
@@ -5928,6 +6225,11 @@
                   </a:txBody>
                   <a:tcPr/>
                 </a:tc>
+                <a:extLst>
+                  <a:ext uri="{0D108BD9-81ED-4DB2-BD59-A6C34878D82A}">
+                    <a16:rowId xmlns:a16="http://schemas.microsoft.com/office/drawing/2014/main" val="10000"/>
+                  </a:ext>
+                </a:extLst>
               </a:tr>
               <a:tr h="296563">
                 <a:tc>
@@ -5937,14 +6239,18 @@
                     <a:p>
                       <a:pPr algn="ctr" latinLnBrk="1"/>
                       <a:r>
-                        <a:rPr lang="ko-KR" altLang="en-US" sz="1000" dirty="0" smtClean="0"/>
+                        <a:rPr lang="ko-KR" altLang="en-US" sz="1000" dirty="0"/>
                         <a:t>삭제 버튼</a:t>
                       </a:r>
-                      <a:endParaRPr lang="ko-KR" altLang="en-US" sz="1000" dirty="0"/>
                     </a:p>
                   </a:txBody>
                   <a:tcPr/>
                 </a:tc>
+                <a:extLst>
+                  <a:ext uri="{0D108BD9-81ED-4DB2-BD59-A6C34878D82A}">
+                    <a16:rowId xmlns:a16="http://schemas.microsoft.com/office/drawing/2014/main" val="10001"/>
+                  </a:ext>
+                </a:extLst>
               </a:tr>
               <a:tr h="486993">
                 <a:tc>
@@ -5954,30 +6260,30 @@
                     <a:p>
                       <a:pPr algn="ctr" latinLnBrk="1"/>
                       <a:r>
-                        <a:rPr lang="ko-KR" altLang="en-US" sz="1000" dirty="0" smtClean="0"/>
+                        <a:rPr lang="ko-KR" altLang="en-US" sz="1000" dirty="0"/>
                         <a:t>과목 삭제</a:t>
                       </a:r>
                       <a:r>
-                        <a:rPr lang="en-US" altLang="ko-KR" sz="1000" dirty="0" smtClean="0"/>
+                        <a:rPr lang="en-US" altLang="ko-KR" sz="1000" dirty="0"/>
                         <a:t>()</a:t>
                       </a:r>
                     </a:p>
                     <a:p>
                       <a:pPr algn="ctr" latinLnBrk="1"/>
                       <a:r>
-                        <a:rPr lang="en-US" altLang="ko-KR" sz="1000" dirty="0" smtClean="0"/>
+                        <a:rPr lang="en-US" altLang="ko-KR" sz="1000" dirty="0"/>
                         <a:t>To</a:t>
                       </a:r>
                       <a:r>
-                        <a:rPr lang="en-US" altLang="ko-KR" sz="1000" baseline="0" dirty="0" smtClean="0"/>
+                        <a:rPr lang="en-US" altLang="ko-KR" sz="1000" baseline="0" dirty="0"/>
                         <a:t> do list </a:t>
                       </a:r>
                       <a:r>
-                        <a:rPr lang="ko-KR" altLang="en-US" sz="1000" baseline="0" dirty="0" smtClean="0"/>
+                        <a:rPr lang="ko-KR" altLang="en-US" sz="1000" baseline="0" dirty="0"/>
                         <a:t>삭제</a:t>
                       </a:r>
                       <a:r>
-                        <a:rPr lang="en-US" altLang="ko-KR" sz="1000" baseline="0" dirty="0" smtClean="0"/>
+                        <a:rPr lang="en-US" altLang="ko-KR" sz="1000" baseline="0" dirty="0"/>
                         <a:t>()</a:t>
                       </a:r>
                       <a:endParaRPr lang="ko-KR" altLang="en-US" sz="1000" dirty="0"/>
@@ -5985,6 +6291,11 @@
                   </a:txBody>
                   <a:tcPr/>
                 </a:tc>
+                <a:extLst>
+                  <a:ext uri="{0D108BD9-81ED-4DB2-BD59-A6C34878D82A}">
+                    <a16:rowId xmlns:a16="http://schemas.microsoft.com/office/drawing/2014/main" val="10002"/>
+                  </a:ext>
+                </a:extLst>
               </a:tr>
             </a:tbl>
           </a:graphicData>
@@ -6002,7 +6313,7 @@
         <p:spPr bwMode="auto">
           <a:xfrm>
             <a:off x="2051720" y="2040788"/>
-            <a:ext cx="453132" cy="10135"/>
+            <a:ext cx="453132" cy="86335"/>
           </a:xfrm>
           <a:prstGeom prst="straightConnector1">
             <a:avLst/>
@@ -6026,6 +6337,7 @@
         <p:nvCxnSpPr>
           <p:cNvPr id="23" name="직선 화살표 연결선 22"/>
           <p:cNvCxnSpPr>
+            <a:cxnSpLocks/>
             <a:stCxn id="8" idx="2"/>
             <a:endCxn id="7" idx="0"/>
           </p:cNvCxnSpPr>
@@ -6034,7 +6346,7 @@
         <p:spPr bwMode="auto">
           <a:xfrm>
             <a:off x="1223628" y="3104165"/>
-            <a:ext cx="8508" cy="553807"/>
+            <a:ext cx="42874" cy="346981"/>
           </a:xfrm>
           <a:prstGeom prst="straightConnector1">
             <a:avLst/>
@@ -6056,43 +6368,16 @@
       </p:cxnSp>
       <p:cxnSp>
         <p:nvCxnSpPr>
-          <p:cNvPr id="30" name="직선 연결선 29"/>
-          <p:cNvCxnSpPr/>
-          <p:nvPr/>
-        </p:nvCxnSpPr>
-        <p:spPr bwMode="auto">
-          <a:xfrm flipV="1">
-            <a:off x="1701800" y="3429186"/>
-            <a:ext cx="0" cy="222941"/>
-          </a:xfrm>
-          <a:prstGeom prst="line">
-            <a:avLst/>
-          </a:prstGeom>
-          <a:solidFill>
-            <a:schemeClr val="accent1"/>
-          </a:solidFill>
-          <a:ln w="12700" cap="flat" cmpd="sng" algn="ctr">
-            <a:solidFill>
-              <a:schemeClr val="tx1"/>
-            </a:solidFill>
-            <a:prstDash val="solid"/>
-            <a:round/>
-            <a:headEnd type="none" w="med" len="med"/>
-            <a:tailEnd type="none" w="med" len="med"/>
-          </a:ln>
-          <a:effectLst/>
-        </p:spPr>
-      </p:cxnSp>
-      <p:cxnSp>
-        <p:nvCxnSpPr>
           <p:cNvPr id="38" name="직선 연결선 37"/>
-          <p:cNvCxnSpPr/>
+          <p:cNvCxnSpPr>
+            <a:cxnSpLocks/>
+          </p:cNvCxnSpPr>
           <p:nvPr/>
         </p:nvCxnSpPr>
         <p:spPr bwMode="auto">
           <a:xfrm>
-            <a:off x="1701800" y="3429186"/>
-            <a:ext cx="3276600" cy="0"/>
+            <a:off x="2447505" y="3423282"/>
+            <a:ext cx="2543843" cy="12776"/>
           </a:xfrm>
           <a:prstGeom prst="line">
             <a:avLst/>
@@ -6241,9 +6526,9 @@
           <p:nvPr/>
         </p:nvCxnSpPr>
         <p:spPr bwMode="auto">
-          <a:xfrm flipH="1" flipV="1">
-            <a:off x="7023125" y="3235095"/>
-            <a:ext cx="12675" cy="194091"/>
+          <a:xfrm flipV="1">
+            <a:off x="7035801" y="3086364"/>
+            <a:ext cx="11252" cy="342826"/>
           </a:xfrm>
           <a:prstGeom prst="straightConnector1">
             <a:avLst/>
@@ -6266,13 +6551,16 @@
       <p:cxnSp>
         <p:nvCxnSpPr>
           <p:cNvPr id="66" name="직선 연결선 65"/>
-          <p:cNvCxnSpPr/>
+          <p:cNvCxnSpPr>
+            <a:cxnSpLocks/>
+            <a:stCxn id="10" idx="2"/>
+          </p:cNvCxnSpPr>
           <p:nvPr/>
         </p:nvCxnSpPr>
         <p:spPr bwMode="auto">
-          <a:xfrm>
-            <a:off x="3238500" y="6155041"/>
-            <a:ext cx="9736" cy="156859"/>
+          <a:xfrm flipH="1">
+            <a:off x="3248236" y="5876965"/>
+            <a:ext cx="12700" cy="434935"/>
           </a:xfrm>
           <a:prstGeom prst="line">
             <a:avLst/>
@@ -6538,6 +6826,121 @@
           <a:xfrm>
             <a:off x="4108450" y="2101574"/>
             <a:ext cx="382910" cy="0"/>
+          </a:xfrm>
+          <a:prstGeom prst="straightConnector1">
+            <a:avLst/>
+          </a:prstGeom>
+          <a:solidFill>
+            <a:schemeClr val="accent1"/>
+          </a:solidFill>
+          <a:ln w="12700" cap="flat" cmpd="sng" algn="ctr">
+            <a:solidFill>
+              <a:schemeClr val="tx1"/>
+            </a:solidFill>
+            <a:prstDash val="solid"/>
+            <a:round/>
+            <a:headEnd type="none" w="med" len="med"/>
+            <a:tailEnd type="arrow"/>
+          </a:ln>
+          <a:effectLst/>
+        </p:spPr>
+      </p:cxnSp>
+      <p:pic>
+        <p:nvPicPr>
+          <p:cNvPr id="3" name="그림 2"/>
+          <p:cNvPicPr>
+            <a:picLocks noChangeAspect="1"/>
+          </p:cNvPicPr>
+          <p:nvPr/>
+        </p:nvPicPr>
+        <p:blipFill>
+          <a:blip r:embed="rId3"/>
+          <a:stretch>
+            <a:fillRect/>
+          </a:stretch>
+        </p:blipFill>
+        <p:spPr>
+          <a:xfrm>
+            <a:off x="7385049" y="3241406"/>
+            <a:ext cx="1438275" cy="276225"/>
+          </a:xfrm>
+          <a:prstGeom prst="rect">
+            <a:avLst/>
+          </a:prstGeom>
+        </p:spPr>
+      </p:pic>
+      <p:pic>
+        <p:nvPicPr>
+          <p:cNvPr id="4" name="그림 3"/>
+          <p:cNvPicPr>
+            <a:picLocks noChangeAspect="1"/>
+          </p:cNvPicPr>
+          <p:nvPr/>
+        </p:nvPicPr>
+        <p:blipFill>
+          <a:blip r:embed="rId4"/>
+          <a:stretch>
+            <a:fillRect/>
+          </a:stretch>
+        </p:blipFill>
+        <p:spPr>
+          <a:xfrm>
+            <a:off x="6813798" y="440019"/>
+            <a:ext cx="1047750" cy="257175"/>
+          </a:xfrm>
+          <a:prstGeom prst="rect">
+            <a:avLst/>
+          </a:prstGeom>
+        </p:spPr>
+      </p:pic>
+      <p:sp>
+        <p:nvSpPr>
+          <p:cNvPr id="5" name="TextBox 4"/>
+          <p:cNvSpPr txBox="1"/>
+          <p:nvPr/>
+        </p:nvSpPr>
+        <p:spPr>
+          <a:xfrm>
+            <a:off x="6931899" y="403437"/>
+            <a:ext cx="1622612" cy="276999"/>
+          </a:xfrm>
+          <a:prstGeom prst="rect">
+            <a:avLst/>
+          </a:prstGeom>
+          <a:noFill/>
+        </p:spPr>
+        <p:txBody>
+          <a:bodyPr wrap="square" rtlCol="0">
+            <a:spAutoFit/>
+          </a:bodyPr>
+          <a:lstStyle/>
+          <a:p>
+            <a:r>
+              <a:rPr lang="en-US" altLang="ko-KR" sz="1200" dirty="0"/>
+              <a:t>V1.0.4</a:t>
+            </a:r>
+            <a:endParaRPr lang="ko-KR" altLang="en-US" sz="1200" dirty="0"/>
+          </a:p>
+        </p:txBody>
+      </p:sp>
+      <p:cxnSp>
+        <p:nvCxnSpPr>
+          <p:cNvPr id="47" name="직선 화살표 연결선 46">
+            <a:extLst>
+              <a:ext uri="{FF2B5EF4-FFF2-40B4-BE49-F238E27FC236}">
+                <a16:creationId xmlns:a16="http://schemas.microsoft.com/office/drawing/2014/main" id="{228F3B64-A172-43DE-BE93-24FF47A5275B}"/>
+              </a:ext>
+            </a:extLst>
+          </p:cNvPr>
+          <p:cNvCxnSpPr>
+            <a:cxnSpLocks/>
+          </p:cNvCxnSpPr>
+          <p:nvPr/>
+        </p:nvCxnSpPr>
+        <p:spPr bwMode="auto">
+          <a:xfrm flipH="1">
+            <a:off x="2269888" y="3437958"/>
+            <a:ext cx="183019" cy="159345"/>
           </a:xfrm>
           <a:prstGeom prst="straightConnector1">
             <a:avLst/>
